--- a/Class 3.pptx
+++ b/Class 3.pptx
@@ -5,7 +5,7 @@
     <p:sldMasterId id="2147483660" r:id="rId1"/>
   </p:sldMasterIdLst>
   <p:notesMasterIdLst>
-    <p:notesMasterId r:id="rId14"/>
+    <p:notesMasterId r:id="rId31"/>
   </p:notesMasterIdLst>
   <p:sldIdLst>
     <p:sldId id="256" r:id="rId2"/>
@@ -17,38 +17,60 @@
     <p:sldId id="259" r:id="rId8"/>
     <p:sldId id="260" r:id="rId9"/>
     <p:sldId id="261" r:id="rId10"/>
-    <p:sldId id="262" r:id="rId11"/>
-    <p:sldId id="267" r:id="rId12"/>
-    <p:sldId id="266" r:id="rId13"/>
+    <p:sldId id="284" r:id="rId11"/>
+    <p:sldId id="285" r:id="rId12"/>
+    <p:sldId id="286" r:id="rId13"/>
+    <p:sldId id="262" r:id="rId14"/>
+    <p:sldId id="267" r:id="rId15"/>
+    <p:sldId id="266" r:id="rId16"/>
+    <p:sldId id="268" r:id="rId17"/>
+    <p:sldId id="272" r:id="rId18"/>
+    <p:sldId id="270" r:id="rId19"/>
+    <p:sldId id="271" r:id="rId20"/>
+    <p:sldId id="273" r:id="rId21"/>
+    <p:sldId id="274" r:id="rId22"/>
+    <p:sldId id="275" r:id="rId23"/>
+    <p:sldId id="276" r:id="rId24"/>
+    <p:sldId id="277" r:id="rId25"/>
+    <p:sldId id="278" r:id="rId26"/>
+    <p:sldId id="279" r:id="rId27"/>
+    <p:sldId id="280" r:id="rId28"/>
+    <p:sldId id="281" r:id="rId29"/>
+    <p:sldId id="282" r:id="rId30"/>
   </p:sldIdLst>
   <p:sldSz cx="12192000" cy="6858000"/>
   <p:notesSz cx="6858000" cy="9144000"/>
   <p:embeddedFontLst>
     <p:embeddedFont>
+      <p:font typeface="游ゴシック" panose="020B0400000000000000" pitchFamily="34" charset="-128"/>
+      <p:regular r:id="rId32"/>
+      <p:bold r:id="rId33"/>
+    </p:embeddedFont>
+    <p:embeddedFont>
       <p:font typeface="Calibri" panose="020F0502020204030204" pitchFamily="34" charset="0"/>
-      <p:regular r:id="rId15"/>
-      <p:bold r:id="rId16"/>
-      <p:italic r:id="rId17"/>
-      <p:boldItalic r:id="rId18"/>
+      <p:regular r:id="rId34"/>
+      <p:bold r:id="rId35"/>
+      <p:italic r:id="rId36"/>
+      <p:boldItalic r:id="rId37"/>
     </p:embeddedFont>
     <p:embeddedFont>
       <p:font typeface="Cambria Math" panose="02040503050406030204" pitchFamily="18" charset="0"/>
-      <p:regular r:id="rId19"/>
+      <p:regular r:id="rId38"/>
     </p:embeddedFont>
     <p:embeddedFont>
       <p:font typeface="Consolas" panose="020B0609020204030204" pitchFamily="49" charset="0"/>
-      <p:regular r:id="rId20"/>
-      <p:bold r:id="rId21"/>
-      <p:italic r:id="rId22"/>
-      <p:boldItalic r:id="rId23"/>
+      <p:regular r:id="rId39"/>
+      <p:bold r:id="rId40"/>
+      <p:italic r:id="rId41"/>
+      <p:boldItalic r:id="rId42"/>
     </p:embeddedFont>
     <p:embeddedFont>
       <p:font typeface="Wingdings 2" panose="05020102010507070707" pitchFamily="18" charset="2"/>
-      <p:regular r:id="rId24"/>
+      <p:regular r:id="rId43"/>
     </p:embeddedFont>
     <p:embeddedFont>
       <p:font typeface="源流明體 SB" panose="02020600000000000000" pitchFamily="18" charset="-120"/>
-      <p:bold r:id="rId25"/>
+      <p:bold r:id="rId44"/>
     </p:embeddedFont>
   </p:embeddedFontLst>
   <p:defaultTextStyle>
@@ -4422,6 +4444,106 @@
 </p:notes>
 </file>
 
+<file path=ppt/notesSlides/notesSlide3.xml><?xml version="1.0" encoding="utf-8"?>
+<p:notes xmlns:a="http://schemas.openxmlformats.org/drawingml/2006/main" xmlns:r="http://schemas.openxmlformats.org/officeDocument/2006/relationships" xmlns:p="http://schemas.openxmlformats.org/presentationml/2006/main">
+  <p:cSld>
+    <p:spTree>
+      <p:nvGrpSpPr>
+        <p:cNvPr id="1" name=""/>
+        <p:cNvGrpSpPr/>
+        <p:nvPr/>
+      </p:nvGrpSpPr>
+      <p:grpSpPr>
+        <a:xfrm>
+          <a:off x="0" y="0"/>
+          <a:ext cx="0" cy="0"/>
+          <a:chOff x="0" y="0"/>
+          <a:chExt cx="0" cy="0"/>
+        </a:xfrm>
+      </p:grpSpPr>
+      <p:sp>
+        <p:nvSpPr>
+          <p:cNvPr id="2" name="投影片影像版面配置區 1"/>
+          <p:cNvSpPr>
+            <a:spLocks noGrp="1" noRot="1" noChangeAspect="1"/>
+          </p:cNvSpPr>
+          <p:nvPr>
+            <p:ph type="sldImg"/>
+          </p:nvPr>
+        </p:nvSpPr>
+        <p:spPr/>
+      </p:sp>
+      <p:sp>
+        <p:nvSpPr>
+          <p:cNvPr id="3" name="備忘稿版面配置區 2"/>
+          <p:cNvSpPr>
+            <a:spLocks noGrp="1"/>
+          </p:cNvSpPr>
+          <p:nvPr>
+            <p:ph type="body" idx="1"/>
+          </p:nvPr>
+        </p:nvSpPr>
+        <p:spPr/>
+        <p:txBody>
+          <a:bodyPr/>
+          <a:lstStyle/>
+          <a:p>
+            <a:r>
+              <a:rPr lang="en-US" altLang="ja-JP" sz="1200">
+                <a:solidFill>
+                  <a:srgbClr val="C00000"/>
+                </a:solidFill>
+              </a:rPr>
+              <a:t>10</a:t>
+            </a:r>
+            <a:r>
+              <a:rPr lang="ja-JP" altLang="en-US" sz="1200">
+                <a:solidFill>
+                  <a:srgbClr val="C00000"/>
+                </a:solidFill>
+              </a:rPr>
+              <a:t>秒だけ持ちこたえてくれ！</a:t>
+            </a:r>
+            <a:endParaRPr lang="zh-TW" altLang="en-US"/>
+          </a:p>
+        </p:txBody>
+      </p:sp>
+      <p:sp>
+        <p:nvSpPr>
+          <p:cNvPr id="4" name="投影片編號版面配置區 3"/>
+          <p:cNvSpPr>
+            <a:spLocks noGrp="1"/>
+          </p:cNvSpPr>
+          <p:nvPr>
+            <p:ph type="sldNum" sz="quarter" idx="5"/>
+          </p:nvPr>
+        </p:nvSpPr>
+        <p:spPr/>
+        <p:txBody>
+          <a:bodyPr/>
+          <a:lstStyle/>
+          <a:p>
+            <a:fld id="{55C73290-2553-4F5C-9EAD-6DB9B4A70B43}" type="slidenum">
+              <a:rPr lang="zh-TW" altLang="en-US" smtClean="0"/>
+              <a:t>17</a:t>
+            </a:fld>
+            <a:endParaRPr lang="zh-TW" altLang="en-US"/>
+          </a:p>
+        </p:txBody>
+      </p:sp>
+    </p:spTree>
+    <p:extLst>
+      <p:ext uri="{BB962C8B-B14F-4D97-AF65-F5344CB8AC3E}">
+        <p14:creationId xmlns:p14="http://schemas.microsoft.com/office/powerpoint/2010/main" val="4163489420"/>
+      </p:ext>
+    </p:extLst>
+  </p:cSld>
+  <p:clrMapOvr>
+    <a:masterClrMapping/>
+  </p:clrMapOvr>
+</p:notes>
+</file>
+
 <file path=ppt/slideLayouts/slideLayout1.xml><?xml version="1.0" encoding="utf-8"?>
 <p:sldLayout xmlns:a="http://schemas.openxmlformats.org/drawingml/2006/main" xmlns:r="http://schemas.openxmlformats.org/officeDocument/2006/relationships" xmlns:p="http://schemas.openxmlformats.org/presentationml/2006/main" showMasterSp="0" type="title" preserve="1">
   <p:cSld name="標題投影片">
@@ -7892,6 +8014,590 @@
           <p:cNvPr id="2" name="標題 1">
             <a:extLst>
               <a:ext uri="{FF2B5EF4-FFF2-40B4-BE49-F238E27FC236}">
+                <a16:creationId xmlns:a16="http://schemas.microsoft.com/office/drawing/2014/main" id="{56B96E5E-A55B-4E4B-839A-220FA9403005}"/>
+              </a:ext>
+            </a:extLst>
+          </p:cNvPr>
+          <p:cNvSpPr>
+            <a:spLocks noGrp="1"/>
+          </p:cNvSpPr>
+          <p:nvPr>
+            <p:ph type="title"/>
+          </p:nvPr>
+        </p:nvSpPr>
+        <p:spPr/>
+        <p:txBody>
+          <a:bodyPr/>
+          <a:lstStyle/>
+          <a:p>
+            <a:r>
+              <a:rPr lang="zh-TW" altLang="en-US"/>
+              <a:t>補充：方便的數學函數</a:t>
+            </a:r>
+          </a:p>
+        </p:txBody>
+      </p:sp>
+      <p:sp>
+        <p:nvSpPr>
+          <p:cNvPr id="4" name="文字方塊 3">
+            <a:extLst>
+              <a:ext uri="{FF2B5EF4-FFF2-40B4-BE49-F238E27FC236}">
+                <a16:creationId xmlns:a16="http://schemas.microsoft.com/office/drawing/2014/main" id="{904EF5C3-C3BF-4DAC-AACC-B0921C040804}"/>
+              </a:ext>
+            </a:extLst>
+          </p:cNvPr>
+          <p:cNvSpPr txBox="1"/>
+          <p:nvPr/>
+        </p:nvSpPr>
+        <p:spPr>
+          <a:xfrm>
+            <a:off x="1308470" y="2641396"/>
+            <a:ext cx="6221883" cy="2246769"/>
+          </a:xfrm>
+          <a:prstGeom prst="rect">
+            <a:avLst/>
+          </a:prstGeom>
+          <a:noFill/>
+        </p:spPr>
+        <p:txBody>
+          <a:bodyPr wrap="square" rtlCol="0">
+            <a:spAutoFit/>
+          </a:bodyPr>
+          <a:lstStyle/>
+          <a:p>
+            <a:r>
+              <a:rPr lang="zh-TW" altLang="en-US" sz="2800"/>
+              <a:t>絕對值？</a:t>
+            </a:r>
+            <a:endParaRPr lang="en-US" altLang="zh-TW" sz="2800"/>
+          </a:p>
+          <a:p>
+            <a:r>
+              <a:rPr lang="zh-TW" altLang="en-US" sz="2800"/>
+              <a:t>四捨五入？</a:t>
+            </a:r>
+            <a:endParaRPr lang="en-US" altLang="zh-TW" sz="2800"/>
+          </a:p>
+          <a:p>
+            <a:r>
+              <a:rPr lang="zh-TW" altLang="en-US" sz="2800"/>
+              <a:t>開根號？</a:t>
+            </a:r>
+            <a:endParaRPr lang="en-US" altLang="zh-TW" sz="2800"/>
+          </a:p>
+          <a:p>
+            <a:r>
+              <a:rPr lang="zh-TW" altLang="en-US" sz="2800"/>
+              <a:t>三角函數？</a:t>
+            </a:r>
+            <a:endParaRPr lang="en-US" altLang="zh-TW" sz="2800"/>
+          </a:p>
+          <a:p>
+            <a:r>
+              <a:rPr lang="zh-TW" altLang="en-US" sz="2800"/>
+              <a:t>對數？</a:t>
+            </a:r>
+            <a:endParaRPr lang="en-US" altLang="zh-TW" sz="2800"/>
+          </a:p>
+        </p:txBody>
+      </p:sp>
+    </p:spTree>
+    <p:extLst>
+      <p:ext uri="{BB962C8B-B14F-4D97-AF65-F5344CB8AC3E}">
+        <p14:creationId xmlns:p14="http://schemas.microsoft.com/office/powerpoint/2010/main" val="3621391779"/>
+      </p:ext>
+    </p:extLst>
+  </p:cSld>
+  <p:clrMapOvr>
+    <a:masterClrMapping/>
+  </p:clrMapOvr>
+</p:sld>
+</file>
+
+<file path=ppt/slides/slide11.xml><?xml version="1.0" encoding="utf-8"?>
+<p:sld xmlns:a="http://schemas.openxmlformats.org/drawingml/2006/main" xmlns:r="http://schemas.openxmlformats.org/officeDocument/2006/relationships" xmlns:p="http://schemas.openxmlformats.org/presentationml/2006/main">
+  <p:cSld>
+    <p:spTree>
+      <p:nvGrpSpPr>
+        <p:cNvPr id="1" name=""/>
+        <p:cNvGrpSpPr/>
+        <p:nvPr/>
+      </p:nvGrpSpPr>
+      <p:grpSpPr>
+        <a:xfrm>
+          <a:off x="0" y="0"/>
+          <a:ext cx="0" cy="0"/>
+          <a:chOff x="0" y="0"/>
+          <a:chExt cx="0" cy="0"/>
+        </a:xfrm>
+      </p:grpSpPr>
+      <p:sp>
+        <p:nvSpPr>
+          <p:cNvPr id="2" name="標題 1">
+            <a:extLst>
+              <a:ext uri="{FF2B5EF4-FFF2-40B4-BE49-F238E27FC236}">
+                <a16:creationId xmlns:a16="http://schemas.microsoft.com/office/drawing/2014/main" id="{56B96E5E-A55B-4E4B-839A-220FA9403005}"/>
+              </a:ext>
+            </a:extLst>
+          </p:cNvPr>
+          <p:cNvSpPr>
+            <a:spLocks noGrp="1"/>
+          </p:cNvSpPr>
+          <p:nvPr>
+            <p:ph type="title"/>
+          </p:nvPr>
+        </p:nvSpPr>
+        <p:spPr/>
+        <p:txBody>
+          <a:bodyPr/>
+          <a:lstStyle/>
+          <a:p>
+            <a:r>
+              <a:rPr lang="zh-TW" altLang="en-US"/>
+              <a:t>補充：方便的數學函數</a:t>
+            </a:r>
+          </a:p>
+        </p:txBody>
+      </p:sp>
+      <p:sp>
+        <p:nvSpPr>
+          <p:cNvPr id="4" name="文字方塊 3">
+            <a:extLst>
+              <a:ext uri="{FF2B5EF4-FFF2-40B4-BE49-F238E27FC236}">
+                <a16:creationId xmlns:a16="http://schemas.microsoft.com/office/drawing/2014/main" id="{904EF5C3-C3BF-4DAC-AACC-B0921C040804}"/>
+              </a:ext>
+            </a:extLst>
+          </p:cNvPr>
+          <p:cNvSpPr txBox="1"/>
+          <p:nvPr/>
+        </p:nvSpPr>
+        <p:spPr>
+          <a:xfrm>
+            <a:off x="1308469" y="2973336"/>
+            <a:ext cx="8793772" cy="1384995"/>
+          </a:xfrm>
+          <a:prstGeom prst="rect">
+            <a:avLst/>
+          </a:prstGeom>
+          <a:noFill/>
+        </p:spPr>
+        <p:txBody>
+          <a:bodyPr wrap="square" rtlCol="0">
+            <a:spAutoFit/>
+          </a:bodyPr>
+          <a:lstStyle/>
+          <a:p>
+            <a:r>
+              <a:rPr lang="en-US" altLang="zh-TW" sz="2800"/>
+              <a:t>abs(</a:t>
+            </a:r>
+            <a:r>
+              <a:rPr lang="en-US" altLang="zh-TW" sz="2800">
+                <a:solidFill>
+                  <a:srgbClr val="C00000"/>
+                </a:solidFill>
+              </a:rPr>
+              <a:t>num</a:t>
+            </a:r>
+            <a:r>
+              <a:rPr lang="en-US" altLang="zh-TW" sz="2800"/>
+              <a:t>) 					</a:t>
+            </a:r>
+            <a:r>
+              <a:rPr lang="zh-TW" altLang="en-US" sz="2800"/>
+              <a:t>絕對值</a:t>
+            </a:r>
+            <a:endParaRPr lang="en-US" altLang="zh-TW" sz="2800"/>
+          </a:p>
+          <a:p>
+            <a:r>
+              <a:rPr lang="en-US" altLang="zh-TW" sz="2800"/>
+              <a:t>round(</a:t>
+            </a:r>
+            <a:r>
+              <a:rPr lang="en-US" altLang="zh-TW" sz="2800">
+                <a:solidFill>
+                  <a:srgbClr val="C00000"/>
+                </a:solidFill>
+              </a:rPr>
+              <a:t>num</a:t>
+            </a:r>
+            <a:r>
+              <a:rPr lang="en-US" altLang="zh-TW" sz="2800"/>
+              <a:t>)				</a:t>
+            </a:r>
+            <a:r>
+              <a:rPr lang="zh-TW" altLang="en-US" sz="2800"/>
+              <a:t>四捨五入到個位</a:t>
+            </a:r>
+            <a:endParaRPr lang="en-US" altLang="zh-TW" sz="2800"/>
+          </a:p>
+          <a:p>
+            <a:r>
+              <a:rPr lang="en-US" altLang="zh-TW" sz="2800"/>
+              <a:t>round(</a:t>
+            </a:r>
+            <a:r>
+              <a:rPr lang="en-US" altLang="zh-TW" sz="2800">
+                <a:solidFill>
+                  <a:srgbClr val="C00000"/>
+                </a:solidFill>
+              </a:rPr>
+              <a:t>num</a:t>
+            </a:r>
+            <a:r>
+              <a:rPr lang="en-US" altLang="zh-TW" sz="2800"/>
+              <a:t>, </a:t>
+            </a:r>
+            <a:r>
+              <a:rPr lang="en-US" altLang="zh-TW" sz="2800">
+                <a:solidFill>
+                  <a:srgbClr val="C00000"/>
+                </a:solidFill>
+              </a:rPr>
+              <a:t>n</a:t>
+            </a:r>
+            <a:r>
+              <a:rPr lang="en-US" altLang="zh-TW" sz="2800"/>
+              <a:t>) 			</a:t>
+            </a:r>
+            <a:r>
+              <a:rPr lang="zh-TW" altLang="en-US" sz="2800"/>
+              <a:t>四捨五入到小數點後第 </a:t>
+            </a:r>
+            <a:r>
+              <a:rPr lang="en-US" altLang="zh-TW" sz="2800"/>
+              <a:t>n</a:t>
+            </a:r>
+            <a:r>
+              <a:rPr lang="zh-TW" altLang="en-US" sz="2800"/>
+              <a:t> 位</a:t>
+            </a:r>
+            <a:endParaRPr lang="en-US" altLang="zh-TW" sz="2800"/>
+          </a:p>
+        </p:txBody>
+      </p:sp>
+    </p:spTree>
+    <p:extLst>
+      <p:ext uri="{BB962C8B-B14F-4D97-AF65-F5344CB8AC3E}">
+        <p14:creationId xmlns:p14="http://schemas.microsoft.com/office/powerpoint/2010/main" val="4273418099"/>
+      </p:ext>
+    </p:extLst>
+  </p:cSld>
+  <p:clrMapOvr>
+    <a:masterClrMapping/>
+  </p:clrMapOvr>
+</p:sld>
+</file>
+
+<file path=ppt/slides/slide12.xml><?xml version="1.0" encoding="utf-8"?>
+<p:sld xmlns:a="http://schemas.openxmlformats.org/drawingml/2006/main" xmlns:r="http://schemas.openxmlformats.org/officeDocument/2006/relationships" xmlns:p="http://schemas.openxmlformats.org/presentationml/2006/main">
+  <p:cSld>
+    <p:spTree>
+      <p:nvGrpSpPr>
+        <p:cNvPr id="1" name=""/>
+        <p:cNvGrpSpPr/>
+        <p:nvPr/>
+      </p:nvGrpSpPr>
+      <p:grpSpPr>
+        <a:xfrm>
+          <a:off x="0" y="0"/>
+          <a:ext cx="0" cy="0"/>
+          <a:chOff x="0" y="0"/>
+          <a:chExt cx="0" cy="0"/>
+        </a:xfrm>
+      </p:grpSpPr>
+      <p:sp>
+        <p:nvSpPr>
+          <p:cNvPr id="2" name="標題 1">
+            <a:extLst>
+              <a:ext uri="{FF2B5EF4-FFF2-40B4-BE49-F238E27FC236}">
+                <a16:creationId xmlns:a16="http://schemas.microsoft.com/office/drawing/2014/main" id="{56B96E5E-A55B-4E4B-839A-220FA9403005}"/>
+              </a:ext>
+            </a:extLst>
+          </p:cNvPr>
+          <p:cNvSpPr>
+            <a:spLocks noGrp="1"/>
+          </p:cNvSpPr>
+          <p:nvPr>
+            <p:ph type="title"/>
+          </p:nvPr>
+        </p:nvSpPr>
+        <p:spPr/>
+        <p:txBody>
+          <a:bodyPr/>
+          <a:lstStyle/>
+          <a:p>
+            <a:r>
+              <a:rPr lang="zh-TW" altLang="en-US"/>
+              <a:t>補充：方便的數學函數</a:t>
+            </a:r>
+          </a:p>
+        </p:txBody>
+      </p:sp>
+      <p:sp>
+        <p:nvSpPr>
+          <p:cNvPr id="4" name="文字方塊 3">
+            <a:extLst>
+              <a:ext uri="{FF2B5EF4-FFF2-40B4-BE49-F238E27FC236}">
+                <a16:creationId xmlns:a16="http://schemas.microsoft.com/office/drawing/2014/main" id="{904EF5C3-C3BF-4DAC-AACC-B0921C040804}"/>
+              </a:ext>
+            </a:extLst>
+          </p:cNvPr>
+          <p:cNvSpPr txBox="1"/>
+          <p:nvPr/>
+        </p:nvSpPr>
+        <p:spPr>
+          <a:xfrm>
+            <a:off x="1308469" y="1927412"/>
+            <a:ext cx="9692640" cy="3539430"/>
+          </a:xfrm>
+          <a:prstGeom prst="rect">
+            <a:avLst/>
+          </a:prstGeom>
+          <a:noFill/>
+        </p:spPr>
+        <p:txBody>
+          <a:bodyPr wrap="square" rtlCol="0">
+            <a:spAutoFit/>
+          </a:bodyPr>
+          <a:lstStyle/>
+          <a:p>
+            <a:r>
+              <a:rPr lang="en-US" altLang="zh-TW" sz="2800"/>
+              <a:t>import math</a:t>
+            </a:r>
+          </a:p>
+          <a:p>
+            <a:endParaRPr lang="en-US" altLang="zh-TW" sz="2800"/>
+          </a:p>
+          <a:p>
+            <a:r>
+              <a:rPr lang="en-US" altLang="zh-TW" sz="2800"/>
+              <a:t>math.sqrt(</a:t>
+            </a:r>
+            <a:r>
+              <a:rPr lang="en-US" altLang="zh-TW" sz="2800">
+                <a:solidFill>
+                  <a:srgbClr val="C00000"/>
+                </a:solidFill>
+              </a:rPr>
+              <a:t>num</a:t>
+            </a:r>
+            <a:r>
+              <a:rPr lang="en-US" altLang="zh-TW" sz="2800"/>
+              <a:t>) 								</a:t>
+            </a:r>
+            <a:r>
+              <a:rPr lang="zh-TW" altLang="en-US" sz="2800"/>
+              <a:t>開根號</a:t>
+            </a:r>
+            <a:endParaRPr lang="en-US" altLang="zh-TW" sz="2800"/>
+          </a:p>
+          <a:p>
+            <a:r>
+              <a:rPr lang="en-US" altLang="zh-TW" sz="2800"/>
+              <a:t>math.sin(math.radians(</a:t>
+            </a:r>
+            <a:r>
+              <a:rPr lang="en-US" altLang="zh-TW" sz="2800">
+                <a:solidFill>
+                  <a:srgbClr val="C00000"/>
+                </a:solidFill>
+              </a:rPr>
+              <a:t>degree</a:t>
+            </a:r>
+            <a:r>
+              <a:rPr lang="en-US" altLang="zh-TW" sz="2800"/>
+              <a:t>))</a:t>
+            </a:r>
+            <a:r>
+              <a:rPr lang="zh-TW" altLang="en-US" sz="2800"/>
+              <a:t> </a:t>
+            </a:r>
+            <a:r>
+              <a:rPr lang="en-US" altLang="zh-TW" sz="2800"/>
+              <a:t>	</a:t>
+            </a:r>
+            <a:r>
+              <a:rPr lang="zh-TW" altLang="en-US" sz="2800"/>
+              <a:t>三角函數 </a:t>
+            </a:r>
+            <a:r>
+              <a:rPr lang="en-US" altLang="zh-TW" sz="2800"/>
+              <a:t>sin</a:t>
+            </a:r>
+          </a:p>
+          <a:p>
+            <a:r>
+              <a:rPr lang="en-US" altLang="zh-TW" sz="2800"/>
+              <a:t>math.cos(math.radians(</a:t>
+            </a:r>
+            <a:r>
+              <a:rPr lang="en-US" altLang="zh-TW" sz="2800">
+                <a:solidFill>
+                  <a:srgbClr val="C00000"/>
+                </a:solidFill>
+              </a:rPr>
+              <a:t>degree</a:t>
+            </a:r>
+            <a:r>
+              <a:rPr lang="en-US" altLang="zh-TW" sz="2800"/>
+              <a:t>)) 	</a:t>
+            </a:r>
+            <a:r>
+              <a:rPr lang="zh-TW" altLang="en-US" sz="2800"/>
+              <a:t>三角函數 </a:t>
+            </a:r>
+            <a:r>
+              <a:rPr lang="en-US" altLang="zh-TW" sz="2800"/>
+              <a:t>cos</a:t>
+            </a:r>
+          </a:p>
+          <a:p>
+            <a:r>
+              <a:rPr lang="en-US" altLang="zh-TW" sz="2800"/>
+              <a:t>math.tan(math.radians(</a:t>
+            </a:r>
+            <a:r>
+              <a:rPr lang="en-US" altLang="zh-TW" sz="2800">
+                <a:solidFill>
+                  <a:srgbClr val="C00000"/>
+                </a:solidFill>
+              </a:rPr>
+              <a:t>degree</a:t>
+            </a:r>
+            <a:r>
+              <a:rPr lang="en-US" altLang="zh-TW" sz="2800"/>
+              <a:t>)) 	</a:t>
+            </a:r>
+            <a:r>
+              <a:rPr lang="zh-TW" altLang="en-US" sz="2800"/>
+              <a:t>三角函數 </a:t>
+            </a:r>
+            <a:r>
+              <a:rPr lang="en-US" altLang="zh-TW" sz="2800"/>
+              <a:t>tan</a:t>
+            </a:r>
+          </a:p>
+          <a:p>
+            <a:r>
+              <a:rPr lang="en-US" altLang="zh-TW" sz="2800"/>
+              <a:t>math.log(</a:t>
+            </a:r>
+            <a:r>
+              <a:rPr lang="en-US" altLang="zh-TW" sz="2800">
+                <a:solidFill>
+                  <a:srgbClr val="C00000"/>
+                </a:solidFill>
+              </a:rPr>
+              <a:t>num</a:t>
+            </a:r>
+            <a:r>
+              <a:rPr lang="en-US" altLang="zh-TW" sz="2800"/>
+              <a:t>)									</a:t>
+            </a:r>
+            <a:r>
+              <a:rPr lang="zh-TW" altLang="en-US" sz="2800"/>
+              <a:t>以 </a:t>
+            </a:r>
+            <a:r>
+              <a:rPr lang="en-US" altLang="zh-TW" sz="2800" i="1">
+                <a:latin typeface="Times New Roman" panose="02020603050405020304" pitchFamily="18" charset="0"/>
+                <a:cs typeface="Times New Roman" panose="02020603050405020304" pitchFamily="18" charset="0"/>
+              </a:rPr>
+              <a:t>e</a:t>
+            </a:r>
+            <a:r>
+              <a:rPr lang="en-US" altLang="zh-TW" sz="2800"/>
+              <a:t> </a:t>
+            </a:r>
+            <a:r>
+              <a:rPr lang="zh-TW" altLang="en-US" sz="2800"/>
+              <a:t>為底的對數</a:t>
+            </a:r>
+            <a:endParaRPr lang="en-US" altLang="zh-TW" sz="2800"/>
+          </a:p>
+          <a:p>
+            <a:r>
+              <a:rPr lang="en-US" altLang="zh-TW" sz="2800"/>
+              <a:t>math.log(</a:t>
+            </a:r>
+            <a:r>
+              <a:rPr lang="en-US" altLang="zh-TW" sz="2800">
+                <a:solidFill>
+                  <a:srgbClr val="C00000"/>
+                </a:solidFill>
+              </a:rPr>
+              <a:t>num</a:t>
+            </a:r>
+            <a:r>
+              <a:rPr lang="en-US" altLang="zh-TW" sz="2800"/>
+              <a:t>, </a:t>
+            </a:r>
+            <a:r>
+              <a:rPr lang="en-US" altLang="zh-TW" sz="2800">
+                <a:solidFill>
+                  <a:srgbClr val="C00000"/>
+                </a:solidFill>
+              </a:rPr>
+              <a:t>b</a:t>
+            </a:r>
+            <a:r>
+              <a:rPr lang="en-US" altLang="zh-TW" sz="2800"/>
+              <a:t>)								</a:t>
+            </a:r>
+            <a:r>
+              <a:rPr lang="zh-TW" altLang="en-US" sz="2800"/>
+              <a:t>以 </a:t>
+            </a:r>
+            <a:r>
+              <a:rPr lang="en-US" altLang="zh-TW" sz="2800"/>
+              <a:t>b </a:t>
+            </a:r>
+            <a:r>
+              <a:rPr lang="zh-TW" altLang="en-US" sz="2800"/>
+              <a:t>為底的對數</a:t>
+            </a:r>
+            <a:endParaRPr lang="en-US" altLang="zh-TW" sz="2800"/>
+          </a:p>
+        </p:txBody>
+      </p:sp>
+    </p:spTree>
+    <p:extLst>
+      <p:ext uri="{BB962C8B-B14F-4D97-AF65-F5344CB8AC3E}">
+        <p14:creationId xmlns:p14="http://schemas.microsoft.com/office/powerpoint/2010/main" val="1381259795"/>
+      </p:ext>
+    </p:extLst>
+  </p:cSld>
+  <p:clrMapOvr>
+    <a:masterClrMapping/>
+  </p:clrMapOvr>
+</p:sld>
+</file>
+
+<file path=ppt/slides/slide13.xml><?xml version="1.0" encoding="utf-8"?>
+<p:sld xmlns:a="http://schemas.openxmlformats.org/drawingml/2006/main" xmlns:r="http://schemas.openxmlformats.org/officeDocument/2006/relationships" xmlns:p="http://schemas.openxmlformats.org/presentationml/2006/main">
+  <p:cSld>
+    <p:spTree>
+      <p:nvGrpSpPr>
+        <p:cNvPr id="1" name=""/>
+        <p:cNvGrpSpPr/>
+        <p:nvPr/>
+      </p:nvGrpSpPr>
+      <p:grpSpPr>
+        <a:xfrm>
+          <a:off x="0" y="0"/>
+          <a:ext cx="0" cy="0"/>
+          <a:chOff x="0" y="0"/>
+          <a:chExt cx="0" cy="0"/>
+        </a:xfrm>
+      </p:grpSpPr>
+      <p:sp>
+        <p:nvSpPr>
+          <p:cNvPr id="2" name="標題 1">
+            <a:extLst>
+              <a:ext uri="{FF2B5EF4-FFF2-40B4-BE49-F238E27FC236}">
                 <a16:creationId xmlns:a16="http://schemas.microsoft.com/office/drawing/2014/main" id="{0E2601B4-823B-4F7B-BB12-252B7060B3CA}"/>
               </a:ext>
             </a:extLst>
@@ -7937,8 +8643,8 @@
         </p:nvSpPr>
         <p:spPr>
           <a:xfrm>
-            <a:off x="1308470" y="1927412"/>
-            <a:ext cx="6221883" cy="4401205"/>
+            <a:off x="1308471" y="1927412"/>
+            <a:ext cx="4090248" cy="4401205"/>
           </a:xfrm>
           <a:prstGeom prst="rect">
             <a:avLst/>
@@ -8754,7 +9460,7 @@
 </p:sld>
 </file>
 
-<file path=ppt/slides/slide11.xml><?xml version="1.0" encoding="utf-8"?>
+<file path=ppt/slides/slide14.xml><?xml version="1.0" encoding="utf-8"?>
 <p:sld xmlns:a="http://schemas.openxmlformats.org/drawingml/2006/main" xmlns:r="http://schemas.openxmlformats.org/officeDocument/2006/relationships" xmlns:p="http://schemas.openxmlformats.org/presentationml/2006/main">
   <p:cSld>
     <p:spTree>
@@ -8867,7 +9573,7 @@
 </p:sld>
 </file>
 
-<file path=ppt/slides/slide12.xml><?xml version="1.0" encoding="utf-8"?>
+<file path=ppt/slides/slide15.xml><?xml version="1.0" encoding="utf-8"?>
 <p:sld xmlns:a="http://schemas.openxmlformats.org/drawingml/2006/main" xmlns:r="http://schemas.openxmlformats.org/officeDocument/2006/relationships" xmlns:p="http://schemas.openxmlformats.org/presentationml/2006/main">
   <p:cSld>
     <p:spTree>
@@ -8905,16 +9611,146 @@
           <a:bodyPr/>
           <a:lstStyle/>
           <a:p>
-            <a:endParaRPr lang="zh-TW" altLang="en-US"/>
+            <a:r>
+              <a:rPr lang="zh-TW" altLang="en-US"/>
+              <a:t>基本語法</a:t>
+            </a:r>
           </a:p>
         </p:txBody>
       </p:sp>
       <p:sp>
         <p:nvSpPr>
-          <p:cNvPr id="3" name="內容版面配置區 2">
+          <p:cNvPr id="4" name="文字方塊 3">
             <a:extLst>
               <a:ext uri="{FF2B5EF4-FFF2-40B4-BE49-F238E27FC236}">
-                <a16:creationId xmlns:a16="http://schemas.microsoft.com/office/drawing/2014/main" id="{5E423DAD-3FE1-456B-856F-89E36124E0ED}"/>
+                <a16:creationId xmlns:a16="http://schemas.microsoft.com/office/drawing/2014/main" id="{08E4CAC5-C6B5-49F0-8BC9-6081BBFA1680}"/>
+              </a:ext>
+            </a:extLst>
+          </p:cNvPr>
+          <p:cNvSpPr txBox="1"/>
+          <p:nvPr/>
+        </p:nvSpPr>
+        <p:spPr>
+          <a:xfrm>
+            <a:off x="1308471" y="2641396"/>
+            <a:ext cx="4090248" cy="1815882"/>
+          </a:xfrm>
+          <a:prstGeom prst="rect">
+            <a:avLst/>
+          </a:prstGeom>
+          <a:noFill/>
+        </p:spPr>
+        <p:txBody>
+          <a:bodyPr wrap="square" rtlCol="0">
+            <a:spAutoFit/>
+          </a:bodyPr>
+          <a:lstStyle/>
+          <a:p>
+            <a:r>
+              <a:rPr lang="en-US" altLang="zh-TW" sz="2800"/>
+              <a:t>if </a:t>
+            </a:r>
+            <a:r>
+              <a:rPr lang="en-US" altLang="zh-TW" sz="2800">
+                <a:solidFill>
+                  <a:schemeClr val="bg1">
+                    <a:lumMod val="65000"/>
+                  </a:schemeClr>
+                </a:solidFill>
+              </a:rPr>
+              <a:t>condition</a:t>
+            </a:r>
+            <a:r>
+              <a:rPr lang="en-US" altLang="zh-TW" sz="2800"/>
+              <a:t>:</a:t>
+            </a:r>
+          </a:p>
+          <a:p>
+            <a:r>
+              <a:rPr lang="en-US" altLang="zh-TW" sz="2800"/>
+              <a:t>	</a:t>
+            </a:r>
+            <a:r>
+              <a:rPr lang="en-US" altLang="zh-TW" sz="2800">
+                <a:solidFill>
+                  <a:schemeClr val="bg1">
+                    <a:lumMod val="65000"/>
+                  </a:schemeClr>
+                </a:solidFill>
+              </a:rPr>
+              <a:t>statement...</a:t>
+            </a:r>
+          </a:p>
+          <a:p>
+            <a:r>
+              <a:rPr lang="en-US" altLang="zh-TW" sz="2800"/>
+              <a:t>	</a:t>
+            </a:r>
+            <a:r>
+              <a:rPr lang="en-US" altLang="zh-TW" sz="2800">
+                <a:solidFill>
+                  <a:schemeClr val="bg1">
+                    <a:lumMod val="65000"/>
+                  </a:schemeClr>
+                </a:solidFill>
+              </a:rPr>
+              <a:t>statement...</a:t>
+            </a:r>
+          </a:p>
+          <a:p>
+            <a:r>
+              <a:rPr lang="en-US" altLang="zh-TW" sz="2800"/>
+              <a:t>	</a:t>
+            </a:r>
+            <a:r>
+              <a:rPr lang="en-US" altLang="zh-TW" sz="2800">
+                <a:solidFill>
+                  <a:schemeClr val="bg1">
+                    <a:lumMod val="65000"/>
+                  </a:schemeClr>
+                </a:solidFill>
+              </a:rPr>
+              <a:t>...</a:t>
+            </a:r>
+          </a:p>
+        </p:txBody>
+      </p:sp>
+    </p:spTree>
+    <p:extLst>
+      <p:ext uri="{BB962C8B-B14F-4D97-AF65-F5344CB8AC3E}">
+        <p14:creationId xmlns:p14="http://schemas.microsoft.com/office/powerpoint/2010/main" val="2071950793"/>
+      </p:ext>
+    </p:extLst>
+  </p:cSld>
+  <p:clrMapOvr>
+    <a:masterClrMapping/>
+  </p:clrMapOvr>
+</p:sld>
+</file>
+
+<file path=ppt/slides/slide16.xml><?xml version="1.0" encoding="utf-8"?>
+<p:sld xmlns:a="http://schemas.openxmlformats.org/drawingml/2006/main" xmlns:r="http://schemas.openxmlformats.org/officeDocument/2006/relationships" xmlns:p="http://schemas.openxmlformats.org/presentationml/2006/main">
+  <p:cSld>
+    <p:spTree>
+      <p:nvGrpSpPr>
+        <p:cNvPr id="1" name=""/>
+        <p:cNvGrpSpPr/>
+        <p:nvPr/>
+      </p:nvGrpSpPr>
+      <p:grpSpPr>
+        <a:xfrm>
+          <a:off x="0" y="0"/>
+          <a:ext cx="0" cy="0"/>
+          <a:chOff x="0" y="0"/>
+          <a:chExt cx="0" cy="0"/>
+        </a:xfrm>
+      </p:grpSpPr>
+      <p:sp>
+        <p:nvSpPr>
+          <p:cNvPr id="2" name="標題 1">
+            <a:extLst>
+              <a:ext uri="{FF2B5EF4-FFF2-40B4-BE49-F238E27FC236}">
+                <a16:creationId xmlns:a16="http://schemas.microsoft.com/office/drawing/2014/main" id="{41D47B51-1287-4F2F-BEDB-0654BAD28EAD}"/>
               </a:ext>
             </a:extLst>
           </p:cNvPr>
@@ -8922,7 +9758,7 @@
             <a:spLocks noGrp="1"/>
           </p:cNvSpPr>
           <p:nvPr>
-            <p:ph idx="1"/>
+            <p:ph type="title"/>
           </p:nvPr>
         </p:nvSpPr>
         <p:spPr/>
@@ -8930,14 +9766,655 @@
           <a:bodyPr/>
           <a:lstStyle/>
           <a:p>
-            <a:endParaRPr lang="zh-TW" altLang="en-US"/>
+            <a:r>
+              <a:rPr lang="zh-TW" altLang="en-US"/>
+              <a:t>基本語法</a:t>
+            </a:r>
+          </a:p>
+        </p:txBody>
+      </p:sp>
+      <p:sp>
+        <p:nvSpPr>
+          <p:cNvPr id="4" name="文字方塊 3">
+            <a:extLst>
+              <a:ext uri="{FF2B5EF4-FFF2-40B4-BE49-F238E27FC236}">
+                <a16:creationId xmlns:a16="http://schemas.microsoft.com/office/drawing/2014/main" id="{08E4CAC5-C6B5-49F0-8BC9-6081BBFA1680}"/>
+              </a:ext>
+            </a:extLst>
+          </p:cNvPr>
+          <p:cNvSpPr txBox="1"/>
+          <p:nvPr/>
+        </p:nvSpPr>
+        <p:spPr>
+          <a:xfrm>
+            <a:off x="1308471" y="2641396"/>
+            <a:ext cx="4090248" cy="1815882"/>
+          </a:xfrm>
+          <a:prstGeom prst="rect">
+            <a:avLst/>
+          </a:prstGeom>
+          <a:noFill/>
+        </p:spPr>
+        <p:txBody>
+          <a:bodyPr wrap="square" rtlCol="0">
+            <a:spAutoFit/>
+          </a:bodyPr>
+          <a:lstStyle/>
+          <a:p>
+            <a:r>
+              <a:rPr lang="en-US" altLang="zh-TW" sz="2800"/>
+              <a:t>if </a:t>
+            </a:r>
+            <a:r>
+              <a:rPr lang="en-US" altLang="zh-TW" sz="2800">
+                <a:solidFill>
+                  <a:srgbClr val="C00000"/>
+                </a:solidFill>
+              </a:rPr>
+              <a:t>sec &lt; 10</a:t>
+            </a:r>
+            <a:r>
+              <a:rPr lang="en-US" altLang="zh-TW" sz="2800"/>
+              <a:t>:</a:t>
+            </a:r>
+          </a:p>
+          <a:p>
+            <a:r>
+              <a:rPr lang="en-US" altLang="zh-TW" sz="2800"/>
+              <a:t>	</a:t>
+            </a:r>
+            <a:r>
+              <a:rPr lang="en-US" altLang="zh-TW" sz="2800">
+                <a:solidFill>
+                  <a:schemeClr val="bg1">
+                    <a:lumMod val="65000"/>
+                  </a:schemeClr>
+                </a:solidFill>
+              </a:rPr>
+              <a:t>statement...</a:t>
+            </a:r>
+          </a:p>
+          <a:p>
+            <a:r>
+              <a:rPr lang="en-US" altLang="zh-TW" sz="2800"/>
+              <a:t>	</a:t>
+            </a:r>
+            <a:r>
+              <a:rPr lang="en-US" altLang="zh-TW" sz="2800">
+                <a:solidFill>
+                  <a:schemeClr val="bg1">
+                    <a:lumMod val="65000"/>
+                  </a:schemeClr>
+                </a:solidFill>
+              </a:rPr>
+              <a:t>statement...</a:t>
+            </a:r>
+          </a:p>
+          <a:p>
+            <a:r>
+              <a:rPr lang="en-US" altLang="zh-TW" sz="2800"/>
+              <a:t>	</a:t>
+            </a:r>
+            <a:r>
+              <a:rPr lang="en-US" altLang="zh-TW" sz="2800">
+                <a:solidFill>
+                  <a:schemeClr val="bg1">
+                    <a:lumMod val="65000"/>
+                  </a:schemeClr>
+                </a:solidFill>
+              </a:rPr>
+              <a:t>...</a:t>
+            </a:r>
           </a:p>
         </p:txBody>
       </p:sp>
     </p:spTree>
     <p:extLst>
       <p:ext uri="{BB962C8B-B14F-4D97-AF65-F5344CB8AC3E}">
-        <p14:creationId xmlns:p14="http://schemas.microsoft.com/office/powerpoint/2010/main" val="2071950793"/>
+        <p14:creationId xmlns:p14="http://schemas.microsoft.com/office/powerpoint/2010/main" val="4267495244"/>
+      </p:ext>
+    </p:extLst>
+  </p:cSld>
+  <p:clrMapOvr>
+    <a:masterClrMapping/>
+  </p:clrMapOvr>
+</p:sld>
+</file>
+
+<file path=ppt/slides/slide17.xml><?xml version="1.0" encoding="utf-8"?>
+<p:sld xmlns:a="http://schemas.openxmlformats.org/drawingml/2006/main" xmlns:r="http://schemas.openxmlformats.org/officeDocument/2006/relationships" xmlns:p="http://schemas.openxmlformats.org/presentationml/2006/main">
+  <p:cSld>
+    <p:spTree>
+      <p:nvGrpSpPr>
+        <p:cNvPr id="1" name=""/>
+        <p:cNvGrpSpPr/>
+        <p:nvPr/>
+      </p:nvGrpSpPr>
+      <p:grpSpPr>
+        <a:xfrm>
+          <a:off x="0" y="0"/>
+          <a:ext cx="0" cy="0"/>
+          <a:chOff x="0" y="0"/>
+          <a:chExt cx="0" cy="0"/>
+        </a:xfrm>
+      </p:grpSpPr>
+      <p:sp>
+        <p:nvSpPr>
+          <p:cNvPr id="2" name="標題 1">
+            <a:extLst>
+              <a:ext uri="{FF2B5EF4-FFF2-40B4-BE49-F238E27FC236}">
+                <a16:creationId xmlns:a16="http://schemas.microsoft.com/office/drawing/2014/main" id="{41D47B51-1287-4F2F-BEDB-0654BAD28EAD}"/>
+              </a:ext>
+            </a:extLst>
+          </p:cNvPr>
+          <p:cNvSpPr>
+            <a:spLocks noGrp="1"/>
+          </p:cNvSpPr>
+          <p:nvPr>
+            <p:ph type="title"/>
+          </p:nvPr>
+        </p:nvSpPr>
+        <p:spPr/>
+        <p:txBody>
+          <a:bodyPr/>
+          <a:lstStyle/>
+          <a:p>
+            <a:r>
+              <a:rPr lang="zh-TW" altLang="en-US"/>
+              <a:t>基本語法</a:t>
+            </a:r>
+          </a:p>
+        </p:txBody>
+      </p:sp>
+      <p:sp>
+        <p:nvSpPr>
+          <p:cNvPr id="4" name="文字方塊 3">
+            <a:extLst>
+              <a:ext uri="{FF2B5EF4-FFF2-40B4-BE49-F238E27FC236}">
+                <a16:creationId xmlns:a16="http://schemas.microsoft.com/office/drawing/2014/main" id="{08E4CAC5-C6B5-49F0-8BC9-6081BBFA1680}"/>
+              </a:ext>
+            </a:extLst>
+          </p:cNvPr>
+          <p:cNvSpPr txBox="1"/>
+          <p:nvPr/>
+        </p:nvSpPr>
+        <p:spPr>
+          <a:xfrm>
+            <a:off x="1308471" y="2641396"/>
+            <a:ext cx="6701924" cy="954107"/>
+          </a:xfrm>
+          <a:prstGeom prst="rect">
+            <a:avLst/>
+          </a:prstGeom>
+          <a:noFill/>
+        </p:spPr>
+        <p:txBody>
+          <a:bodyPr wrap="square" rtlCol="0">
+            <a:spAutoFit/>
+          </a:bodyPr>
+          <a:lstStyle/>
+          <a:p>
+            <a:r>
+              <a:rPr lang="en-US" altLang="zh-TW" sz="2800"/>
+              <a:t>if </a:t>
+            </a:r>
+            <a:r>
+              <a:rPr lang="en-US" altLang="zh-TW" sz="2800">
+                <a:solidFill>
+                  <a:srgbClr val="C00000"/>
+                </a:solidFill>
+              </a:rPr>
+              <a:t>sec &lt; 10</a:t>
+            </a:r>
+            <a:r>
+              <a:rPr lang="en-US" altLang="zh-TW" sz="2800"/>
+              <a:t>:</a:t>
+            </a:r>
+          </a:p>
+          <a:p>
+            <a:r>
+              <a:rPr lang="en-US" altLang="zh-TW" sz="2800"/>
+              <a:t>	</a:t>
+            </a:r>
+            <a:r>
+              <a:rPr lang="en-US" altLang="zh-TW" sz="2800">
+                <a:solidFill>
+                  <a:srgbClr val="C00000"/>
+                </a:solidFill>
+              </a:rPr>
+              <a:t>print(“</a:t>
+            </a:r>
+            <a:r>
+              <a:rPr lang="zh-TW" altLang="en-US" sz="2800">
+                <a:solidFill>
+                  <a:srgbClr val="C00000"/>
+                </a:solidFill>
+              </a:rPr>
+              <a:t>幫我撐</a:t>
+            </a:r>
+            <a:r>
+              <a:rPr lang="en-US" altLang="zh-TW" sz="2800">
+                <a:solidFill>
+                  <a:srgbClr val="C00000"/>
+                </a:solidFill>
+              </a:rPr>
+              <a:t>10</a:t>
+            </a:r>
+            <a:r>
+              <a:rPr lang="zh-TW" altLang="en-US" sz="2800">
+                <a:solidFill>
+                  <a:srgbClr val="C00000"/>
+                </a:solidFill>
+              </a:rPr>
+              <a:t>秒</a:t>
+            </a:r>
+            <a:r>
+              <a:rPr lang="en-US" altLang="zh-TW" sz="2800">
+                <a:solidFill>
+                  <a:srgbClr val="C00000"/>
+                </a:solidFill>
+              </a:rPr>
+              <a:t>”)</a:t>
+            </a:r>
+          </a:p>
+        </p:txBody>
+      </p:sp>
+    </p:spTree>
+    <p:extLst>
+      <p:ext uri="{BB962C8B-B14F-4D97-AF65-F5344CB8AC3E}">
+        <p14:creationId xmlns:p14="http://schemas.microsoft.com/office/powerpoint/2010/main" val="3564983430"/>
+      </p:ext>
+    </p:extLst>
+  </p:cSld>
+  <p:clrMapOvr>
+    <a:masterClrMapping/>
+  </p:clrMapOvr>
+</p:sld>
+</file>
+
+<file path=ppt/slides/slide18.xml><?xml version="1.0" encoding="utf-8"?>
+<p:sld xmlns:a="http://schemas.openxmlformats.org/drawingml/2006/main" xmlns:r="http://schemas.openxmlformats.org/officeDocument/2006/relationships" xmlns:p="http://schemas.openxmlformats.org/presentationml/2006/main">
+  <p:cSld>
+    <p:spTree>
+      <p:nvGrpSpPr>
+        <p:cNvPr id="1" name=""/>
+        <p:cNvGrpSpPr/>
+        <p:nvPr/>
+      </p:nvGrpSpPr>
+      <p:grpSpPr>
+        <a:xfrm>
+          <a:off x="0" y="0"/>
+          <a:ext cx="0" cy="0"/>
+          <a:chOff x="0" y="0"/>
+          <a:chExt cx="0" cy="0"/>
+        </a:xfrm>
+      </p:grpSpPr>
+      <p:sp>
+        <p:nvSpPr>
+          <p:cNvPr id="2" name="標題 1">
+            <a:extLst>
+              <a:ext uri="{FF2B5EF4-FFF2-40B4-BE49-F238E27FC236}">
+                <a16:creationId xmlns:a16="http://schemas.microsoft.com/office/drawing/2014/main" id="{41D47B51-1287-4F2F-BEDB-0654BAD28EAD}"/>
+              </a:ext>
+            </a:extLst>
+          </p:cNvPr>
+          <p:cNvSpPr>
+            <a:spLocks noGrp="1"/>
+          </p:cNvSpPr>
+          <p:nvPr>
+            <p:ph type="title"/>
+          </p:nvPr>
+        </p:nvSpPr>
+        <p:spPr/>
+        <p:txBody>
+          <a:bodyPr/>
+          <a:lstStyle/>
+          <a:p>
+            <a:r>
+              <a:rPr lang="zh-TW" altLang="en-US"/>
+              <a:t>基本語法</a:t>
+            </a:r>
+          </a:p>
+        </p:txBody>
+      </p:sp>
+      <p:sp>
+        <p:nvSpPr>
+          <p:cNvPr id="4" name="文字方塊 3">
+            <a:extLst>
+              <a:ext uri="{FF2B5EF4-FFF2-40B4-BE49-F238E27FC236}">
+                <a16:creationId xmlns:a16="http://schemas.microsoft.com/office/drawing/2014/main" id="{08E4CAC5-C6B5-49F0-8BC9-6081BBFA1680}"/>
+              </a:ext>
+            </a:extLst>
+          </p:cNvPr>
+          <p:cNvSpPr txBox="1"/>
+          <p:nvPr/>
+        </p:nvSpPr>
+        <p:spPr>
+          <a:xfrm>
+            <a:off x="1308471" y="2641396"/>
+            <a:ext cx="5987940" cy="2677656"/>
+          </a:xfrm>
+          <a:prstGeom prst="rect">
+            <a:avLst/>
+          </a:prstGeom>
+          <a:noFill/>
+        </p:spPr>
+        <p:txBody>
+          <a:bodyPr wrap="square" rtlCol="0">
+            <a:spAutoFit/>
+          </a:bodyPr>
+          <a:lstStyle/>
+          <a:p>
+            <a:r>
+              <a:rPr lang="en-US" altLang="zh-TW" sz="2800"/>
+              <a:t>if </a:t>
+            </a:r>
+            <a:r>
+              <a:rPr lang="en-US" altLang="zh-TW" sz="2800">
+                <a:solidFill>
+                  <a:srgbClr val="C00000"/>
+                </a:solidFill>
+              </a:rPr>
+              <a:t>sec &lt; 10</a:t>
+            </a:r>
+            <a:r>
+              <a:rPr lang="en-US" altLang="zh-TW" sz="2800"/>
+              <a:t>:</a:t>
+            </a:r>
+          </a:p>
+          <a:p>
+            <a:r>
+              <a:rPr lang="en-US" altLang="zh-TW" sz="2800"/>
+              <a:t>	</a:t>
+            </a:r>
+            <a:r>
+              <a:rPr lang="en-US" altLang="zh-TW" sz="2800">
+                <a:solidFill>
+                  <a:srgbClr val="C00000"/>
+                </a:solidFill>
+              </a:rPr>
+              <a:t>print(“</a:t>
+            </a:r>
+            <a:r>
+              <a:rPr lang="zh-TW" altLang="en-US" sz="2800">
+                <a:solidFill>
+                  <a:srgbClr val="C00000"/>
+                </a:solidFill>
+              </a:rPr>
+              <a:t>幫我撐</a:t>
+            </a:r>
+            <a:r>
+              <a:rPr lang="en-US" altLang="zh-TW" sz="2800">
+                <a:solidFill>
+                  <a:srgbClr val="C00000"/>
+                </a:solidFill>
+              </a:rPr>
+              <a:t>10</a:t>
+            </a:r>
+            <a:r>
+              <a:rPr lang="zh-TW" altLang="en-US" sz="2800">
+                <a:solidFill>
+                  <a:srgbClr val="C00000"/>
+                </a:solidFill>
+              </a:rPr>
+              <a:t>秒</a:t>
+            </a:r>
+            <a:r>
+              <a:rPr lang="en-US" altLang="zh-TW" sz="2800">
+                <a:solidFill>
+                  <a:srgbClr val="C00000"/>
+                </a:solidFill>
+              </a:rPr>
+              <a:t>”)</a:t>
+            </a:r>
+          </a:p>
+          <a:p>
+            <a:r>
+              <a:rPr lang="en-US" altLang="zh-TW" sz="2800"/>
+              <a:t>else: </a:t>
+            </a:r>
+            <a:r>
+              <a:rPr lang="en-US" altLang="zh-TW" sz="2800">
+                <a:solidFill>
+                  <a:schemeClr val="accent2"/>
+                </a:solidFill>
+              </a:rPr>
+              <a:t>#</a:t>
+            </a:r>
+            <a:r>
+              <a:rPr lang="zh-TW" altLang="en-US" sz="2800">
+                <a:solidFill>
+                  <a:schemeClr val="accent2"/>
+                </a:solidFill>
+              </a:rPr>
+              <a:t> </a:t>
+            </a:r>
+            <a:r>
+              <a:rPr lang="en-US" altLang="zh-TW" sz="2800">
+                <a:solidFill>
+                  <a:schemeClr val="accent2"/>
+                </a:solidFill>
+              </a:rPr>
+              <a:t>sec &gt;= 10</a:t>
+            </a:r>
+          </a:p>
+          <a:p>
+            <a:r>
+              <a:rPr lang="en-US" altLang="zh-TW" sz="2800"/>
+              <a:t>	</a:t>
+            </a:r>
+            <a:r>
+              <a:rPr lang="en-US" altLang="zh-TW" sz="2800">
+                <a:solidFill>
+                  <a:schemeClr val="bg1">
+                    <a:lumMod val="50000"/>
+                  </a:schemeClr>
+                </a:solidFill>
+              </a:rPr>
+              <a:t>statement...</a:t>
+            </a:r>
+          </a:p>
+          <a:p>
+            <a:r>
+              <a:rPr lang="en-US" altLang="zh-TW" sz="2800">
+                <a:solidFill>
+                  <a:schemeClr val="bg1">
+                    <a:lumMod val="50000"/>
+                  </a:schemeClr>
+                </a:solidFill>
+              </a:rPr>
+              <a:t>	statement...</a:t>
+            </a:r>
+          </a:p>
+          <a:p>
+            <a:r>
+              <a:rPr lang="en-US" altLang="zh-TW" sz="2800">
+                <a:solidFill>
+                  <a:schemeClr val="bg1">
+                    <a:lumMod val="50000"/>
+                  </a:schemeClr>
+                </a:solidFill>
+              </a:rPr>
+              <a:t>	...</a:t>
+            </a:r>
+          </a:p>
+        </p:txBody>
+      </p:sp>
+    </p:spTree>
+    <p:extLst>
+      <p:ext uri="{BB962C8B-B14F-4D97-AF65-F5344CB8AC3E}">
+        <p14:creationId xmlns:p14="http://schemas.microsoft.com/office/powerpoint/2010/main" val="3727988092"/>
+      </p:ext>
+    </p:extLst>
+  </p:cSld>
+  <p:clrMapOvr>
+    <a:masterClrMapping/>
+  </p:clrMapOvr>
+</p:sld>
+</file>
+
+<file path=ppt/slides/slide19.xml><?xml version="1.0" encoding="utf-8"?>
+<p:sld xmlns:a="http://schemas.openxmlformats.org/drawingml/2006/main" xmlns:r="http://schemas.openxmlformats.org/officeDocument/2006/relationships" xmlns:p="http://schemas.openxmlformats.org/presentationml/2006/main">
+  <p:cSld>
+    <p:spTree>
+      <p:nvGrpSpPr>
+        <p:cNvPr id="1" name=""/>
+        <p:cNvGrpSpPr/>
+        <p:nvPr/>
+      </p:nvGrpSpPr>
+      <p:grpSpPr>
+        <a:xfrm>
+          <a:off x="0" y="0"/>
+          <a:ext cx="0" cy="0"/>
+          <a:chOff x="0" y="0"/>
+          <a:chExt cx="0" cy="0"/>
+        </a:xfrm>
+      </p:grpSpPr>
+      <p:sp>
+        <p:nvSpPr>
+          <p:cNvPr id="2" name="標題 1">
+            <a:extLst>
+              <a:ext uri="{FF2B5EF4-FFF2-40B4-BE49-F238E27FC236}">
+                <a16:creationId xmlns:a16="http://schemas.microsoft.com/office/drawing/2014/main" id="{41D47B51-1287-4F2F-BEDB-0654BAD28EAD}"/>
+              </a:ext>
+            </a:extLst>
+          </p:cNvPr>
+          <p:cNvSpPr>
+            <a:spLocks noGrp="1"/>
+          </p:cNvSpPr>
+          <p:nvPr>
+            <p:ph type="title"/>
+          </p:nvPr>
+        </p:nvSpPr>
+        <p:spPr/>
+        <p:txBody>
+          <a:bodyPr/>
+          <a:lstStyle/>
+          <a:p>
+            <a:r>
+              <a:rPr lang="zh-TW" altLang="en-US"/>
+              <a:t>基本語法</a:t>
+            </a:r>
+          </a:p>
+        </p:txBody>
+      </p:sp>
+      <p:sp>
+        <p:nvSpPr>
+          <p:cNvPr id="4" name="文字方塊 3">
+            <a:extLst>
+              <a:ext uri="{FF2B5EF4-FFF2-40B4-BE49-F238E27FC236}">
+                <a16:creationId xmlns:a16="http://schemas.microsoft.com/office/drawing/2014/main" id="{08E4CAC5-C6B5-49F0-8BC9-6081BBFA1680}"/>
+              </a:ext>
+            </a:extLst>
+          </p:cNvPr>
+          <p:cNvSpPr txBox="1"/>
+          <p:nvPr/>
+        </p:nvSpPr>
+        <p:spPr>
+          <a:xfrm>
+            <a:off x="1308471" y="2641396"/>
+            <a:ext cx="5987940" cy="1815882"/>
+          </a:xfrm>
+          <a:prstGeom prst="rect">
+            <a:avLst/>
+          </a:prstGeom>
+          <a:noFill/>
+        </p:spPr>
+        <p:txBody>
+          <a:bodyPr wrap="square" rtlCol="0">
+            <a:spAutoFit/>
+          </a:bodyPr>
+          <a:lstStyle/>
+          <a:p>
+            <a:r>
+              <a:rPr lang="en-US" altLang="zh-TW" sz="2800"/>
+              <a:t>if </a:t>
+            </a:r>
+            <a:r>
+              <a:rPr lang="en-US" altLang="zh-TW" sz="2800">
+                <a:solidFill>
+                  <a:srgbClr val="C00000"/>
+                </a:solidFill>
+              </a:rPr>
+              <a:t>sec &lt; 10</a:t>
+            </a:r>
+            <a:r>
+              <a:rPr lang="en-US" altLang="zh-TW" sz="2800"/>
+              <a:t>:</a:t>
+            </a:r>
+          </a:p>
+          <a:p>
+            <a:r>
+              <a:rPr lang="en-US" altLang="zh-TW" sz="2800"/>
+              <a:t>	</a:t>
+            </a:r>
+            <a:r>
+              <a:rPr lang="en-US" altLang="zh-TW" sz="2800">
+                <a:solidFill>
+                  <a:srgbClr val="C00000"/>
+                </a:solidFill>
+              </a:rPr>
+              <a:t>print(“</a:t>
+            </a:r>
+            <a:r>
+              <a:rPr lang="zh-TW" altLang="en-US" sz="2800">
+                <a:solidFill>
+                  <a:srgbClr val="C00000"/>
+                </a:solidFill>
+              </a:rPr>
+              <a:t>幫我撐</a:t>
+            </a:r>
+            <a:r>
+              <a:rPr lang="en-US" altLang="zh-TW" sz="2800">
+                <a:solidFill>
+                  <a:srgbClr val="C00000"/>
+                </a:solidFill>
+              </a:rPr>
+              <a:t>10</a:t>
+            </a:r>
+            <a:r>
+              <a:rPr lang="zh-TW" altLang="en-US" sz="2800">
+                <a:solidFill>
+                  <a:srgbClr val="C00000"/>
+                </a:solidFill>
+              </a:rPr>
+              <a:t>秒</a:t>
+            </a:r>
+            <a:r>
+              <a:rPr lang="en-US" altLang="zh-TW" sz="2800">
+                <a:solidFill>
+                  <a:srgbClr val="C00000"/>
+                </a:solidFill>
+              </a:rPr>
+              <a:t>”)</a:t>
+            </a:r>
+          </a:p>
+          <a:p>
+            <a:r>
+              <a:rPr lang="en-US" altLang="zh-TW" sz="2800"/>
+              <a:t>else:</a:t>
+            </a:r>
+          </a:p>
+          <a:p>
+            <a:r>
+              <a:rPr lang="en-US" altLang="zh-TW" sz="2800"/>
+              <a:t>	</a:t>
+            </a:r>
+            <a:r>
+              <a:rPr lang="en-US" altLang="zh-TW" sz="2800">
+                <a:solidFill>
+                  <a:srgbClr val="C00000"/>
+                </a:solidFill>
+              </a:rPr>
+              <a:t>print(“Switch!”)</a:t>
+            </a:r>
+          </a:p>
+        </p:txBody>
+      </p:sp>
+    </p:spTree>
+    <p:extLst>
+      <p:ext uri="{BB962C8B-B14F-4D97-AF65-F5344CB8AC3E}">
+        <p14:creationId xmlns:p14="http://schemas.microsoft.com/office/powerpoint/2010/main" val="3931063231"/>
       </p:ext>
     </p:extLst>
   </p:cSld>
@@ -9021,6 +10498,2020 @@
     <p:extLst>
       <p:ext uri="{BB962C8B-B14F-4D97-AF65-F5344CB8AC3E}">
         <p14:creationId xmlns:p14="http://schemas.microsoft.com/office/powerpoint/2010/main" val="459743939"/>
+      </p:ext>
+    </p:extLst>
+  </p:cSld>
+  <p:clrMapOvr>
+    <a:masterClrMapping/>
+  </p:clrMapOvr>
+</p:sld>
+</file>
+
+<file path=ppt/slides/slide20.xml><?xml version="1.0" encoding="utf-8"?>
+<p:sld xmlns:a="http://schemas.openxmlformats.org/drawingml/2006/main" xmlns:r="http://schemas.openxmlformats.org/officeDocument/2006/relationships" xmlns:p="http://schemas.openxmlformats.org/presentationml/2006/main">
+  <p:cSld>
+    <p:spTree>
+      <p:nvGrpSpPr>
+        <p:cNvPr id="1" name=""/>
+        <p:cNvGrpSpPr/>
+        <p:nvPr/>
+      </p:nvGrpSpPr>
+      <p:grpSpPr>
+        <a:xfrm>
+          <a:off x="0" y="0"/>
+          <a:ext cx="0" cy="0"/>
+          <a:chOff x="0" y="0"/>
+          <a:chExt cx="0" cy="0"/>
+        </a:xfrm>
+      </p:grpSpPr>
+      <p:sp>
+        <p:nvSpPr>
+          <p:cNvPr id="2" name="標題 1">
+            <a:extLst>
+              <a:ext uri="{FF2B5EF4-FFF2-40B4-BE49-F238E27FC236}">
+                <a16:creationId xmlns:a16="http://schemas.microsoft.com/office/drawing/2014/main" id="{41D47B51-1287-4F2F-BEDB-0654BAD28EAD}"/>
+              </a:ext>
+            </a:extLst>
+          </p:cNvPr>
+          <p:cNvSpPr>
+            <a:spLocks noGrp="1"/>
+          </p:cNvSpPr>
+          <p:nvPr>
+            <p:ph type="title"/>
+          </p:nvPr>
+        </p:nvSpPr>
+        <p:spPr/>
+        <p:txBody>
+          <a:bodyPr/>
+          <a:lstStyle/>
+          <a:p>
+            <a:r>
+              <a:rPr lang="zh-TW" altLang="en-US"/>
+              <a:t>基本語法</a:t>
+            </a:r>
+          </a:p>
+        </p:txBody>
+      </p:sp>
+      <p:sp>
+        <p:nvSpPr>
+          <p:cNvPr id="4" name="文字方塊 3">
+            <a:extLst>
+              <a:ext uri="{FF2B5EF4-FFF2-40B4-BE49-F238E27FC236}">
+                <a16:creationId xmlns:a16="http://schemas.microsoft.com/office/drawing/2014/main" id="{08E4CAC5-C6B5-49F0-8BC9-6081BBFA1680}"/>
+              </a:ext>
+            </a:extLst>
+          </p:cNvPr>
+          <p:cNvSpPr txBox="1"/>
+          <p:nvPr/>
+        </p:nvSpPr>
+        <p:spPr>
+          <a:xfrm>
+            <a:off x="1308471" y="2641396"/>
+            <a:ext cx="5987940" cy="1815882"/>
+          </a:xfrm>
+          <a:prstGeom prst="rect">
+            <a:avLst/>
+          </a:prstGeom>
+          <a:noFill/>
+        </p:spPr>
+        <p:txBody>
+          <a:bodyPr wrap="square" rtlCol="0">
+            <a:spAutoFit/>
+          </a:bodyPr>
+          <a:lstStyle/>
+          <a:p>
+            <a:r>
+              <a:rPr lang="en-US" altLang="zh-TW" sz="2800"/>
+              <a:t>if </a:t>
+            </a:r>
+            <a:r>
+              <a:rPr lang="en-US" altLang="zh-TW" sz="2800">
+                <a:solidFill>
+                  <a:srgbClr val="C00000"/>
+                </a:solidFill>
+              </a:rPr>
+              <a:t>flag</a:t>
+            </a:r>
+            <a:r>
+              <a:rPr lang="en-US" altLang="zh-TW" sz="2800"/>
+              <a:t>:</a:t>
+            </a:r>
+          </a:p>
+          <a:p>
+            <a:r>
+              <a:rPr lang="en-US" altLang="zh-TW" sz="2800"/>
+              <a:t>	</a:t>
+            </a:r>
+            <a:r>
+              <a:rPr lang="en-US" altLang="zh-TW" sz="2800">
+                <a:solidFill>
+                  <a:srgbClr val="C00000"/>
+                </a:solidFill>
+              </a:rPr>
+              <a:t>print(“</a:t>
+            </a:r>
+            <a:r>
+              <a:rPr lang="zh-TW" altLang="en-US" sz="2800">
+                <a:solidFill>
+                  <a:srgbClr val="C00000"/>
+                </a:solidFill>
+              </a:rPr>
+              <a:t>幫我撐</a:t>
+            </a:r>
+            <a:r>
+              <a:rPr lang="en-US" altLang="zh-TW" sz="2800">
+                <a:solidFill>
+                  <a:srgbClr val="C00000"/>
+                </a:solidFill>
+              </a:rPr>
+              <a:t>10</a:t>
+            </a:r>
+            <a:r>
+              <a:rPr lang="zh-TW" altLang="en-US" sz="2800">
+                <a:solidFill>
+                  <a:srgbClr val="C00000"/>
+                </a:solidFill>
+              </a:rPr>
+              <a:t>秒</a:t>
+            </a:r>
+            <a:r>
+              <a:rPr lang="en-US" altLang="zh-TW" sz="2800">
+                <a:solidFill>
+                  <a:srgbClr val="C00000"/>
+                </a:solidFill>
+              </a:rPr>
+              <a:t>”)</a:t>
+            </a:r>
+          </a:p>
+          <a:p>
+            <a:r>
+              <a:rPr lang="en-US" altLang="zh-TW" sz="2800"/>
+              <a:t>else:</a:t>
+            </a:r>
+          </a:p>
+          <a:p>
+            <a:r>
+              <a:rPr lang="en-US" altLang="zh-TW" sz="2800"/>
+              <a:t>	</a:t>
+            </a:r>
+            <a:r>
+              <a:rPr lang="en-US" altLang="zh-TW" sz="2800">
+                <a:solidFill>
+                  <a:srgbClr val="C00000"/>
+                </a:solidFill>
+              </a:rPr>
+              <a:t>print(“Switch!”)</a:t>
+            </a:r>
+          </a:p>
+        </p:txBody>
+      </p:sp>
+      <p:sp>
+        <p:nvSpPr>
+          <p:cNvPr id="3" name="文字方塊 2">
+            <a:extLst>
+              <a:ext uri="{FF2B5EF4-FFF2-40B4-BE49-F238E27FC236}">
+                <a16:creationId xmlns:a16="http://schemas.microsoft.com/office/drawing/2014/main" id="{817B26DC-148C-4E2B-8254-5B8E2014E94C}"/>
+              </a:ext>
+            </a:extLst>
+          </p:cNvPr>
+          <p:cNvSpPr txBox="1"/>
+          <p:nvPr/>
+        </p:nvSpPr>
+        <p:spPr>
+          <a:xfrm>
+            <a:off x="1308471" y="2173309"/>
+            <a:ext cx="3339376" cy="523220"/>
+          </a:xfrm>
+          <a:prstGeom prst="rect">
+            <a:avLst/>
+          </a:prstGeom>
+          <a:noFill/>
+        </p:spPr>
+        <p:txBody>
+          <a:bodyPr wrap="none" rtlCol="0">
+            <a:spAutoFit/>
+          </a:bodyPr>
+          <a:lstStyle/>
+          <a:p>
+            <a:r>
+              <a:rPr lang="en-US" altLang="zh-TW" sz="2800">
+                <a:solidFill>
+                  <a:srgbClr val="C00000"/>
+                </a:solidFill>
+              </a:rPr>
+              <a:t>flag = sec &lt; 10 </a:t>
+            </a:r>
+            <a:endParaRPr lang="zh-TW" altLang="en-US" sz="2800"/>
+          </a:p>
+        </p:txBody>
+      </p:sp>
+    </p:spTree>
+    <p:extLst>
+      <p:ext uri="{BB962C8B-B14F-4D97-AF65-F5344CB8AC3E}">
+        <p14:creationId xmlns:p14="http://schemas.microsoft.com/office/powerpoint/2010/main" val="4153886847"/>
+      </p:ext>
+    </p:extLst>
+  </p:cSld>
+  <p:clrMapOvr>
+    <a:masterClrMapping/>
+  </p:clrMapOvr>
+</p:sld>
+</file>
+
+<file path=ppt/slides/slide21.xml><?xml version="1.0" encoding="utf-8"?>
+<p:sld xmlns:a="http://schemas.openxmlformats.org/drawingml/2006/main" xmlns:r="http://schemas.openxmlformats.org/officeDocument/2006/relationships" xmlns:p="http://schemas.openxmlformats.org/presentationml/2006/main">
+  <p:cSld>
+    <p:spTree>
+      <p:nvGrpSpPr>
+        <p:cNvPr id="1" name=""/>
+        <p:cNvGrpSpPr/>
+        <p:nvPr/>
+      </p:nvGrpSpPr>
+      <p:grpSpPr>
+        <a:xfrm>
+          <a:off x="0" y="0"/>
+          <a:ext cx="0" cy="0"/>
+          <a:chOff x="0" y="0"/>
+          <a:chExt cx="0" cy="0"/>
+        </a:xfrm>
+      </p:grpSpPr>
+      <p:sp>
+        <p:nvSpPr>
+          <p:cNvPr id="2" name="標題 1">
+            <a:extLst>
+              <a:ext uri="{FF2B5EF4-FFF2-40B4-BE49-F238E27FC236}">
+                <a16:creationId xmlns:a16="http://schemas.microsoft.com/office/drawing/2014/main" id="{41D47B51-1287-4F2F-BEDB-0654BAD28EAD}"/>
+              </a:ext>
+            </a:extLst>
+          </p:cNvPr>
+          <p:cNvSpPr>
+            <a:spLocks noGrp="1"/>
+          </p:cNvSpPr>
+          <p:nvPr>
+            <p:ph type="title"/>
+          </p:nvPr>
+        </p:nvSpPr>
+        <p:spPr/>
+        <p:txBody>
+          <a:bodyPr/>
+          <a:lstStyle/>
+          <a:p>
+            <a:r>
+              <a:rPr lang="zh-TW" altLang="en-US"/>
+              <a:t>基本語法</a:t>
+            </a:r>
+          </a:p>
+        </p:txBody>
+      </p:sp>
+      <p:sp>
+        <p:nvSpPr>
+          <p:cNvPr id="4" name="文字方塊 3">
+            <a:extLst>
+              <a:ext uri="{FF2B5EF4-FFF2-40B4-BE49-F238E27FC236}">
+                <a16:creationId xmlns:a16="http://schemas.microsoft.com/office/drawing/2014/main" id="{08E4CAC5-C6B5-49F0-8BC9-6081BBFA1680}"/>
+              </a:ext>
+            </a:extLst>
+          </p:cNvPr>
+          <p:cNvSpPr txBox="1"/>
+          <p:nvPr/>
+        </p:nvSpPr>
+        <p:spPr>
+          <a:xfrm>
+            <a:off x="1308471" y="2409664"/>
+            <a:ext cx="5987940" cy="3108543"/>
+          </a:xfrm>
+          <a:prstGeom prst="rect">
+            <a:avLst/>
+          </a:prstGeom>
+          <a:noFill/>
+        </p:spPr>
+        <p:txBody>
+          <a:bodyPr wrap="square" rtlCol="0">
+            <a:spAutoFit/>
+          </a:bodyPr>
+          <a:lstStyle/>
+          <a:p>
+            <a:r>
+              <a:rPr lang="en-US" altLang="zh-TW" sz="2800"/>
+              <a:t>if </a:t>
+            </a:r>
+            <a:r>
+              <a:rPr lang="en-US" altLang="zh-TW" sz="2800">
+                <a:solidFill>
+                  <a:srgbClr val="C00000"/>
+                </a:solidFill>
+              </a:rPr>
+              <a:t>sec &lt; 10</a:t>
+            </a:r>
+            <a:r>
+              <a:rPr lang="en-US" altLang="zh-TW" sz="2800"/>
+              <a:t>:</a:t>
+            </a:r>
+          </a:p>
+          <a:p>
+            <a:r>
+              <a:rPr lang="en-US" altLang="zh-TW" sz="2800"/>
+              <a:t>	</a:t>
+            </a:r>
+            <a:r>
+              <a:rPr lang="en-US" altLang="zh-TW" sz="2800">
+                <a:solidFill>
+                  <a:srgbClr val="C00000"/>
+                </a:solidFill>
+              </a:rPr>
+              <a:t>print(“</a:t>
+            </a:r>
+            <a:r>
+              <a:rPr lang="zh-TW" altLang="en-US" sz="2800">
+                <a:solidFill>
+                  <a:srgbClr val="C00000"/>
+                </a:solidFill>
+              </a:rPr>
+              <a:t>幫我撐</a:t>
+            </a:r>
+            <a:r>
+              <a:rPr lang="en-US" altLang="zh-TW" sz="2800">
+                <a:solidFill>
+                  <a:srgbClr val="C00000"/>
+                </a:solidFill>
+              </a:rPr>
+              <a:t>10</a:t>
+            </a:r>
+            <a:r>
+              <a:rPr lang="zh-TW" altLang="en-US" sz="2800">
+                <a:solidFill>
+                  <a:srgbClr val="C00000"/>
+                </a:solidFill>
+              </a:rPr>
+              <a:t>秒</a:t>
+            </a:r>
+            <a:r>
+              <a:rPr lang="en-US" altLang="zh-TW" sz="2800">
+                <a:solidFill>
+                  <a:srgbClr val="C00000"/>
+                </a:solidFill>
+              </a:rPr>
+              <a:t>”)</a:t>
+            </a:r>
+          </a:p>
+          <a:p>
+            <a:r>
+              <a:rPr lang="en-US" altLang="zh-TW" sz="2800"/>
+              <a:t>elif </a:t>
+            </a:r>
+            <a:r>
+              <a:rPr lang="en-US" altLang="zh-TW" sz="2800">
+                <a:solidFill>
+                  <a:schemeClr val="bg1">
+                    <a:lumMod val="50000"/>
+                  </a:schemeClr>
+                </a:solidFill>
+              </a:rPr>
+              <a:t>condition</a:t>
+            </a:r>
+            <a:r>
+              <a:rPr lang="en-US" altLang="zh-TW" sz="2800"/>
+              <a:t>:</a:t>
+            </a:r>
+          </a:p>
+          <a:p>
+            <a:r>
+              <a:rPr lang="en-US" altLang="zh-TW" sz="2800"/>
+              <a:t>	</a:t>
+            </a:r>
+            <a:r>
+              <a:rPr lang="en-US" altLang="zh-TW" sz="2800">
+                <a:solidFill>
+                  <a:schemeClr val="bg1">
+                    <a:lumMod val="50000"/>
+                  </a:schemeClr>
+                </a:solidFill>
+              </a:rPr>
+              <a:t>statement...</a:t>
+            </a:r>
+          </a:p>
+          <a:p>
+            <a:r>
+              <a:rPr lang="en-US" altLang="zh-TW" sz="2800"/>
+              <a:t>	</a:t>
+            </a:r>
+            <a:r>
+              <a:rPr lang="en-US" altLang="zh-TW" sz="2800">
+                <a:solidFill>
+                  <a:schemeClr val="bg1">
+                    <a:lumMod val="50000"/>
+                  </a:schemeClr>
+                </a:solidFill>
+              </a:rPr>
+              <a:t>statement...</a:t>
+            </a:r>
+          </a:p>
+          <a:p>
+            <a:r>
+              <a:rPr lang="en-US" altLang="zh-TW" sz="2800"/>
+              <a:t>else:</a:t>
+            </a:r>
+          </a:p>
+          <a:p>
+            <a:r>
+              <a:rPr lang="en-US" altLang="zh-TW" sz="2800"/>
+              <a:t>	</a:t>
+            </a:r>
+            <a:r>
+              <a:rPr lang="en-US" altLang="zh-TW" sz="2800">
+                <a:solidFill>
+                  <a:srgbClr val="C00000"/>
+                </a:solidFill>
+              </a:rPr>
+              <a:t>print(“Switch!”)</a:t>
+            </a:r>
+          </a:p>
+        </p:txBody>
+      </p:sp>
+    </p:spTree>
+    <p:extLst>
+      <p:ext uri="{BB962C8B-B14F-4D97-AF65-F5344CB8AC3E}">
+        <p14:creationId xmlns:p14="http://schemas.microsoft.com/office/powerpoint/2010/main" val="3925540313"/>
+      </p:ext>
+    </p:extLst>
+  </p:cSld>
+  <p:clrMapOvr>
+    <a:masterClrMapping/>
+  </p:clrMapOvr>
+</p:sld>
+</file>
+
+<file path=ppt/slides/slide22.xml><?xml version="1.0" encoding="utf-8"?>
+<p:sld xmlns:a="http://schemas.openxmlformats.org/drawingml/2006/main" xmlns:r="http://schemas.openxmlformats.org/officeDocument/2006/relationships" xmlns:p="http://schemas.openxmlformats.org/presentationml/2006/main">
+  <p:cSld>
+    <p:spTree>
+      <p:nvGrpSpPr>
+        <p:cNvPr id="1" name=""/>
+        <p:cNvGrpSpPr/>
+        <p:nvPr/>
+      </p:nvGrpSpPr>
+      <p:grpSpPr>
+        <a:xfrm>
+          <a:off x="0" y="0"/>
+          <a:ext cx="0" cy="0"/>
+          <a:chOff x="0" y="0"/>
+          <a:chExt cx="0" cy="0"/>
+        </a:xfrm>
+      </p:grpSpPr>
+      <p:sp>
+        <p:nvSpPr>
+          <p:cNvPr id="2" name="標題 1">
+            <a:extLst>
+              <a:ext uri="{FF2B5EF4-FFF2-40B4-BE49-F238E27FC236}">
+                <a16:creationId xmlns:a16="http://schemas.microsoft.com/office/drawing/2014/main" id="{41D47B51-1287-4F2F-BEDB-0654BAD28EAD}"/>
+              </a:ext>
+            </a:extLst>
+          </p:cNvPr>
+          <p:cNvSpPr>
+            <a:spLocks noGrp="1"/>
+          </p:cNvSpPr>
+          <p:nvPr>
+            <p:ph type="title"/>
+          </p:nvPr>
+        </p:nvSpPr>
+        <p:spPr/>
+        <p:txBody>
+          <a:bodyPr/>
+          <a:lstStyle/>
+          <a:p>
+            <a:r>
+              <a:rPr lang="zh-TW" altLang="en-US"/>
+              <a:t>基本語法</a:t>
+            </a:r>
+          </a:p>
+        </p:txBody>
+      </p:sp>
+      <p:sp>
+        <p:nvSpPr>
+          <p:cNvPr id="4" name="文字方塊 3">
+            <a:extLst>
+              <a:ext uri="{FF2B5EF4-FFF2-40B4-BE49-F238E27FC236}">
+                <a16:creationId xmlns:a16="http://schemas.microsoft.com/office/drawing/2014/main" id="{08E4CAC5-C6B5-49F0-8BC9-6081BBFA1680}"/>
+              </a:ext>
+            </a:extLst>
+          </p:cNvPr>
+          <p:cNvSpPr txBox="1"/>
+          <p:nvPr/>
+        </p:nvSpPr>
+        <p:spPr>
+          <a:xfrm>
+            <a:off x="1308471" y="2409664"/>
+            <a:ext cx="5987940" cy="2677656"/>
+          </a:xfrm>
+          <a:prstGeom prst="rect">
+            <a:avLst/>
+          </a:prstGeom>
+          <a:noFill/>
+        </p:spPr>
+        <p:txBody>
+          <a:bodyPr wrap="square" rtlCol="0">
+            <a:spAutoFit/>
+          </a:bodyPr>
+          <a:lstStyle/>
+          <a:p>
+            <a:r>
+              <a:rPr lang="en-US" altLang="zh-TW" sz="2800"/>
+              <a:t>if </a:t>
+            </a:r>
+            <a:r>
+              <a:rPr lang="en-US" altLang="zh-TW" sz="2800">
+                <a:solidFill>
+                  <a:srgbClr val="C00000"/>
+                </a:solidFill>
+              </a:rPr>
+              <a:t>sec &lt; 10</a:t>
+            </a:r>
+            <a:r>
+              <a:rPr lang="en-US" altLang="zh-TW" sz="2800"/>
+              <a:t>:</a:t>
+            </a:r>
+          </a:p>
+          <a:p>
+            <a:r>
+              <a:rPr lang="en-US" altLang="zh-TW" sz="2800"/>
+              <a:t>	</a:t>
+            </a:r>
+            <a:r>
+              <a:rPr lang="en-US" altLang="zh-TW" sz="2800">
+                <a:solidFill>
+                  <a:srgbClr val="C00000"/>
+                </a:solidFill>
+              </a:rPr>
+              <a:t>print(“</a:t>
+            </a:r>
+            <a:r>
+              <a:rPr lang="zh-TW" altLang="en-US" sz="2800">
+                <a:solidFill>
+                  <a:srgbClr val="C00000"/>
+                </a:solidFill>
+              </a:rPr>
+              <a:t>幫我撐</a:t>
+            </a:r>
+            <a:r>
+              <a:rPr lang="en-US" altLang="zh-TW" sz="2800">
+                <a:solidFill>
+                  <a:srgbClr val="C00000"/>
+                </a:solidFill>
+              </a:rPr>
+              <a:t>10</a:t>
+            </a:r>
+            <a:r>
+              <a:rPr lang="zh-TW" altLang="en-US" sz="2800">
+                <a:solidFill>
+                  <a:srgbClr val="C00000"/>
+                </a:solidFill>
+              </a:rPr>
+              <a:t>秒</a:t>
+            </a:r>
+            <a:r>
+              <a:rPr lang="en-US" altLang="zh-TW" sz="2800">
+                <a:solidFill>
+                  <a:srgbClr val="C00000"/>
+                </a:solidFill>
+              </a:rPr>
+              <a:t>”)</a:t>
+            </a:r>
+          </a:p>
+          <a:p>
+            <a:r>
+              <a:rPr lang="en-US" altLang="zh-TW" sz="2800"/>
+              <a:t>elif </a:t>
+            </a:r>
+            <a:r>
+              <a:rPr lang="en-US" altLang="zh-TW" sz="2800">
+                <a:solidFill>
+                  <a:srgbClr val="C00000"/>
+                </a:solidFill>
+              </a:rPr>
+              <a:t>10 &lt;= sec &lt; 20</a:t>
+            </a:r>
+            <a:r>
+              <a:rPr lang="en-US" altLang="zh-TW" sz="2800"/>
+              <a:t>:</a:t>
+            </a:r>
+          </a:p>
+          <a:p>
+            <a:r>
+              <a:rPr lang="en-US" altLang="zh-TW" sz="2800"/>
+              <a:t>	</a:t>
+            </a:r>
+            <a:r>
+              <a:rPr lang="en-US" altLang="zh-TW" sz="2800">
+                <a:solidFill>
+                  <a:srgbClr val="C00000"/>
+                </a:solidFill>
+              </a:rPr>
+              <a:t>print(“</a:t>
+            </a:r>
+            <a:r>
+              <a:rPr lang="zh-TW" altLang="en-US" sz="2800">
+                <a:solidFill>
+                  <a:srgbClr val="C00000"/>
+                </a:solidFill>
+              </a:rPr>
+              <a:t>再一下下就好</a:t>
+            </a:r>
+            <a:r>
+              <a:rPr lang="en-US" altLang="zh-TW" sz="2800">
+                <a:solidFill>
+                  <a:srgbClr val="C00000"/>
+                </a:solidFill>
+              </a:rPr>
+              <a:t>”)</a:t>
+            </a:r>
+          </a:p>
+          <a:p>
+            <a:r>
+              <a:rPr lang="en-US" altLang="zh-TW" sz="2800"/>
+              <a:t>else:</a:t>
+            </a:r>
+          </a:p>
+          <a:p>
+            <a:r>
+              <a:rPr lang="en-US" altLang="zh-TW" sz="2800"/>
+              <a:t>	</a:t>
+            </a:r>
+            <a:r>
+              <a:rPr lang="en-US" altLang="zh-TW" sz="2800">
+                <a:solidFill>
+                  <a:srgbClr val="C00000"/>
+                </a:solidFill>
+              </a:rPr>
+              <a:t>print(“Switch!”)</a:t>
+            </a:r>
+          </a:p>
+        </p:txBody>
+      </p:sp>
+    </p:spTree>
+    <p:extLst>
+      <p:ext uri="{BB962C8B-B14F-4D97-AF65-F5344CB8AC3E}">
+        <p14:creationId xmlns:p14="http://schemas.microsoft.com/office/powerpoint/2010/main" val="851789866"/>
+      </p:ext>
+    </p:extLst>
+  </p:cSld>
+  <p:clrMapOvr>
+    <a:masterClrMapping/>
+  </p:clrMapOvr>
+</p:sld>
+</file>
+
+<file path=ppt/slides/slide23.xml><?xml version="1.0" encoding="utf-8"?>
+<p:sld xmlns:a="http://schemas.openxmlformats.org/drawingml/2006/main" xmlns:r="http://schemas.openxmlformats.org/officeDocument/2006/relationships" xmlns:p="http://schemas.openxmlformats.org/presentationml/2006/main">
+  <p:cSld>
+    <p:spTree>
+      <p:nvGrpSpPr>
+        <p:cNvPr id="1" name=""/>
+        <p:cNvGrpSpPr/>
+        <p:nvPr/>
+      </p:nvGrpSpPr>
+      <p:grpSpPr>
+        <a:xfrm>
+          <a:off x="0" y="0"/>
+          <a:ext cx="0" cy="0"/>
+          <a:chOff x="0" y="0"/>
+          <a:chExt cx="0" cy="0"/>
+        </a:xfrm>
+      </p:grpSpPr>
+      <p:sp>
+        <p:nvSpPr>
+          <p:cNvPr id="2" name="標題 1">
+            <a:extLst>
+              <a:ext uri="{FF2B5EF4-FFF2-40B4-BE49-F238E27FC236}">
+                <a16:creationId xmlns:a16="http://schemas.microsoft.com/office/drawing/2014/main" id="{41D47B51-1287-4F2F-BEDB-0654BAD28EAD}"/>
+              </a:ext>
+            </a:extLst>
+          </p:cNvPr>
+          <p:cNvSpPr>
+            <a:spLocks noGrp="1"/>
+          </p:cNvSpPr>
+          <p:nvPr>
+            <p:ph type="title"/>
+          </p:nvPr>
+        </p:nvSpPr>
+        <p:spPr/>
+        <p:txBody>
+          <a:bodyPr/>
+          <a:lstStyle/>
+          <a:p>
+            <a:r>
+              <a:rPr lang="zh-TW" altLang="en-US"/>
+              <a:t>基本語法</a:t>
+            </a:r>
+          </a:p>
+        </p:txBody>
+      </p:sp>
+      <p:sp>
+        <p:nvSpPr>
+          <p:cNvPr id="4" name="文字方塊 3">
+            <a:extLst>
+              <a:ext uri="{FF2B5EF4-FFF2-40B4-BE49-F238E27FC236}">
+                <a16:creationId xmlns:a16="http://schemas.microsoft.com/office/drawing/2014/main" id="{08E4CAC5-C6B5-49F0-8BC9-6081BBFA1680}"/>
+              </a:ext>
+            </a:extLst>
+          </p:cNvPr>
+          <p:cNvSpPr txBox="1"/>
+          <p:nvPr/>
+        </p:nvSpPr>
+        <p:spPr>
+          <a:xfrm>
+            <a:off x="1308471" y="2409664"/>
+            <a:ext cx="5987940" cy="2677656"/>
+          </a:xfrm>
+          <a:prstGeom prst="rect">
+            <a:avLst/>
+          </a:prstGeom>
+          <a:noFill/>
+        </p:spPr>
+        <p:txBody>
+          <a:bodyPr wrap="square" rtlCol="0">
+            <a:spAutoFit/>
+          </a:bodyPr>
+          <a:lstStyle/>
+          <a:p>
+            <a:r>
+              <a:rPr lang="en-US" altLang="zh-TW" sz="2800"/>
+              <a:t>if </a:t>
+            </a:r>
+            <a:r>
+              <a:rPr lang="en-US" altLang="zh-TW" sz="2800">
+                <a:solidFill>
+                  <a:srgbClr val="C00000"/>
+                </a:solidFill>
+              </a:rPr>
+              <a:t>sec &lt; 10</a:t>
+            </a:r>
+            <a:r>
+              <a:rPr lang="en-US" altLang="zh-TW" sz="2800"/>
+              <a:t>:</a:t>
+            </a:r>
+          </a:p>
+          <a:p>
+            <a:r>
+              <a:rPr lang="en-US" altLang="zh-TW" sz="2800"/>
+              <a:t>	</a:t>
+            </a:r>
+            <a:r>
+              <a:rPr lang="en-US" altLang="zh-TW" sz="2800">
+                <a:solidFill>
+                  <a:srgbClr val="C00000"/>
+                </a:solidFill>
+              </a:rPr>
+              <a:t>print(“</a:t>
+            </a:r>
+            <a:r>
+              <a:rPr lang="zh-TW" altLang="en-US" sz="2800">
+                <a:solidFill>
+                  <a:srgbClr val="C00000"/>
+                </a:solidFill>
+              </a:rPr>
+              <a:t>幫我撐</a:t>
+            </a:r>
+            <a:r>
+              <a:rPr lang="en-US" altLang="zh-TW" sz="2800">
+                <a:solidFill>
+                  <a:srgbClr val="C00000"/>
+                </a:solidFill>
+              </a:rPr>
+              <a:t>10</a:t>
+            </a:r>
+            <a:r>
+              <a:rPr lang="zh-TW" altLang="en-US" sz="2800">
+                <a:solidFill>
+                  <a:srgbClr val="C00000"/>
+                </a:solidFill>
+              </a:rPr>
+              <a:t>秒</a:t>
+            </a:r>
+            <a:r>
+              <a:rPr lang="en-US" altLang="zh-TW" sz="2800">
+                <a:solidFill>
+                  <a:srgbClr val="C00000"/>
+                </a:solidFill>
+              </a:rPr>
+              <a:t>”)</a:t>
+            </a:r>
+          </a:p>
+          <a:p>
+            <a:r>
+              <a:rPr lang="en-US" altLang="zh-TW" sz="2800"/>
+              <a:t>elif </a:t>
+            </a:r>
+            <a:r>
+              <a:rPr lang="en-US" altLang="zh-TW" sz="2800">
+                <a:solidFill>
+                  <a:srgbClr val="C00000"/>
+                </a:solidFill>
+              </a:rPr>
+              <a:t>sec &lt; 20</a:t>
+            </a:r>
+            <a:r>
+              <a:rPr lang="en-US" altLang="zh-TW" sz="2800"/>
+              <a:t>:</a:t>
+            </a:r>
+            <a:r>
+              <a:rPr lang="zh-TW" altLang="en-US" sz="2800"/>
+              <a:t> </a:t>
+            </a:r>
+            <a:r>
+              <a:rPr lang="en-US" altLang="zh-TW" sz="2800">
+                <a:solidFill>
+                  <a:schemeClr val="accent2"/>
+                </a:solidFill>
+              </a:rPr>
+              <a:t>#</a:t>
+            </a:r>
+            <a:r>
+              <a:rPr lang="zh-TW" altLang="en-US" sz="2800">
+                <a:solidFill>
+                  <a:schemeClr val="accent2"/>
+                </a:solidFill>
+              </a:rPr>
+              <a:t> </a:t>
+            </a:r>
+            <a:r>
+              <a:rPr lang="en-US" altLang="zh-TW" sz="2800">
+                <a:solidFill>
+                  <a:schemeClr val="accent2"/>
+                </a:solidFill>
+              </a:rPr>
+              <a:t>sec &gt;= 10</a:t>
+            </a:r>
+          </a:p>
+          <a:p>
+            <a:r>
+              <a:rPr lang="en-US" altLang="zh-TW" sz="2800"/>
+              <a:t>	</a:t>
+            </a:r>
+            <a:r>
+              <a:rPr lang="en-US" altLang="zh-TW" sz="2800">
+                <a:solidFill>
+                  <a:srgbClr val="C00000"/>
+                </a:solidFill>
+              </a:rPr>
+              <a:t>print(“</a:t>
+            </a:r>
+            <a:r>
+              <a:rPr lang="zh-TW" altLang="en-US" sz="2800">
+                <a:solidFill>
+                  <a:srgbClr val="C00000"/>
+                </a:solidFill>
+              </a:rPr>
+              <a:t>再一下下就好</a:t>
+            </a:r>
+            <a:r>
+              <a:rPr lang="en-US" altLang="zh-TW" sz="2800">
+                <a:solidFill>
+                  <a:srgbClr val="C00000"/>
+                </a:solidFill>
+              </a:rPr>
+              <a:t>”)</a:t>
+            </a:r>
+          </a:p>
+          <a:p>
+            <a:r>
+              <a:rPr lang="en-US" altLang="zh-TW" sz="2800"/>
+              <a:t>else: </a:t>
+            </a:r>
+            <a:r>
+              <a:rPr lang="en-US" altLang="zh-TW" sz="2800">
+                <a:solidFill>
+                  <a:schemeClr val="accent2"/>
+                </a:solidFill>
+              </a:rPr>
+              <a:t>#</a:t>
+            </a:r>
+            <a:r>
+              <a:rPr lang="zh-TW" altLang="en-US" sz="2800">
+                <a:solidFill>
+                  <a:schemeClr val="accent2"/>
+                </a:solidFill>
+              </a:rPr>
+              <a:t> </a:t>
+            </a:r>
+            <a:r>
+              <a:rPr lang="en-US" altLang="zh-TW" sz="2800">
+                <a:solidFill>
+                  <a:schemeClr val="accent2"/>
+                </a:solidFill>
+              </a:rPr>
+              <a:t>sec &gt;= 20</a:t>
+            </a:r>
+            <a:endParaRPr lang="en-US" altLang="zh-TW" sz="2800"/>
+          </a:p>
+          <a:p>
+            <a:r>
+              <a:rPr lang="en-US" altLang="zh-TW" sz="2800"/>
+              <a:t>	</a:t>
+            </a:r>
+            <a:r>
+              <a:rPr lang="en-US" altLang="zh-TW" sz="2800">
+                <a:solidFill>
+                  <a:srgbClr val="C00000"/>
+                </a:solidFill>
+              </a:rPr>
+              <a:t>print(“Switch!”)</a:t>
+            </a:r>
+          </a:p>
+        </p:txBody>
+      </p:sp>
+    </p:spTree>
+    <p:extLst>
+      <p:ext uri="{BB962C8B-B14F-4D97-AF65-F5344CB8AC3E}">
+        <p14:creationId xmlns:p14="http://schemas.microsoft.com/office/powerpoint/2010/main" val="4269530453"/>
+      </p:ext>
+    </p:extLst>
+  </p:cSld>
+  <p:clrMapOvr>
+    <a:masterClrMapping/>
+  </p:clrMapOvr>
+</p:sld>
+</file>
+
+<file path=ppt/slides/slide24.xml><?xml version="1.0" encoding="utf-8"?>
+<p:sld xmlns:a="http://schemas.openxmlformats.org/drawingml/2006/main" xmlns:r="http://schemas.openxmlformats.org/officeDocument/2006/relationships" xmlns:p="http://schemas.openxmlformats.org/presentationml/2006/main">
+  <p:cSld>
+    <p:spTree>
+      <p:nvGrpSpPr>
+        <p:cNvPr id="1" name=""/>
+        <p:cNvGrpSpPr/>
+        <p:nvPr/>
+      </p:nvGrpSpPr>
+      <p:grpSpPr>
+        <a:xfrm>
+          <a:off x="0" y="0"/>
+          <a:ext cx="0" cy="0"/>
+          <a:chOff x="0" y="0"/>
+          <a:chExt cx="0" cy="0"/>
+        </a:xfrm>
+      </p:grpSpPr>
+      <p:sp>
+        <p:nvSpPr>
+          <p:cNvPr id="2" name="標題 1">
+            <a:extLst>
+              <a:ext uri="{FF2B5EF4-FFF2-40B4-BE49-F238E27FC236}">
+                <a16:creationId xmlns:a16="http://schemas.microsoft.com/office/drawing/2014/main" id="{41D47B51-1287-4F2F-BEDB-0654BAD28EAD}"/>
+              </a:ext>
+            </a:extLst>
+          </p:cNvPr>
+          <p:cNvSpPr>
+            <a:spLocks noGrp="1"/>
+          </p:cNvSpPr>
+          <p:nvPr>
+            <p:ph type="title"/>
+          </p:nvPr>
+        </p:nvSpPr>
+        <p:spPr/>
+        <p:txBody>
+          <a:bodyPr/>
+          <a:lstStyle/>
+          <a:p>
+            <a:r>
+              <a:rPr lang="zh-TW" altLang="en-US"/>
+              <a:t>基本語法</a:t>
+            </a:r>
+          </a:p>
+        </p:txBody>
+      </p:sp>
+      <p:sp>
+        <p:nvSpPr>
+          <p:cNvPr id="4" name="文字方塊 3">
+            <a:extLst>
+              <a:ext uri="{FF2B5EF4-FFF2-40B4-BE49-F238E27FC236}">
+                <a16:creationId xmlns:a16="http://schemas.microsoft.com/office/drawing/2014/main" id="{08E4CAC5-C6B5-49F0-8BC9-6081BBFA1680}"/>
+              </a:ext>
+            </a:extLst>
+          </p:cNvPr>
+          <p:cNvSpPr txBox="1"/>
+          <p:nvPr/>
+        </p:nvSpPr>
+        <p:spPr>
+          <a:xfrm>
+            <a:off x="1308471" y="1927412"/>
+            <a:ext cx="5987940" cy="3970318"/>
+          </a:xfrm>
+          <a:prstGeom prst="rect">
+            <a:avLst/>
+          </a:prstGeom>
+          <a:noFill/>
+        </p:spPr>
+        <p:txBody>
+          <a:bodyPr wrap="square" rtlCol="0">
+            <a:spAutoFit/>
+          </a:bodyPr>
+          <a:lstStyle/>
+          <a:p>
+            <a:r>
+              <a:rPr lang="en-US" altLang="zh-TW" sz="2800"/>
+              <a:t>if </a:t>
+            </a:r>
+            <a:r>
+              <a:rPr lang="en-US" altLang="zh-TW" sz="2800">
+                <a:solidFill>
+                  <a:schemeClr val="bg1">
+                    <a:lumMod val="50000"/>
+                  </a:schemeClr>
+                </a:solidFill>
+              </a:rPr>
+              <a:t>condition1</a:t>
+            </a:r>
+            <a:r>
+              <a:rPr lang="en-US" altLang="zh-TW" sz="2800"/>
+              <a:t>:</a:t>
+            </a:r>
+          </a:p>
+          <a:p>
+            <a:r>
+              <a:rPr lang="en-US" altLang="zh-TW" sz="2800"/>
+              <a:t>	</a:t>
+            </a:r>
+            <a:r>
+              <a:rPr lang="en-US" altLang="zh-TW" sz="2800">
+                <a:solidFill>
+                  <a:schemeClr val="bg1">
+                    <a:lumMod val="50000"/>
+                  </a:schemeClr>
+                </a:solidFill>
+              </a:rPr>
+              <a:t>statement1</a:t>
+            </a:r>
+          </a:p>
+          <a:p>
+            <a:r>
+              <a:rPr lang="en-US" altLang="zh-TW" sz="2800"/>
+              <a:t>elif </a:t>
+            </a:r>
+            <a:r>
+              <a:rPr lang="en-US" altLang="zh-TW" sz="2800">
+                <a:solidFill>
+                  <a:schemeClr val="bg1">
+                    <a:lumMod val="50000"/>
+                  </a:schemeClr>
+                </a:solidFill>
+              </a:rPr>
+              <a:t>condition2</a:t>
+            </a:r>
+            <a:r>
+              <a:rPr lang="en-US" altLang="zh-TW" sz="2800"/>
+              <a:t>:</a:t>
+            </a:r>
+          </a:p>
+          <a:p>
+            <a:r>
+              <a:rPr lang="en-US" altLang="zh-TW" sz="2800"/>
+              <a:t>	</a:t>
+            </a:r>
+            <a:r>
+              <a:rPr lang="en-US" altLang="zh-TW" sz="2800">
+                <a:solidFill>
+                  <a:schemeClr val="bg1">
+                    <a:lumMod val="50000"/>
+                  </a:schemeClr>
+                </a:solidFill>
+              </a:rPr>
+              <a:t>statement2</a:t>
+            </a:r>
+          </a:p>
+          <a:p>
+            <a:r>
+              <a:rPr lang="en-US" altLang="zh-TW" sz="2800"/>
+              <a:t>...</a:t>
+            </a:r>
+          </a:p>
+          <a:p>
+            <a:r>
+              <a:rPr lang="en-US" altLang="zh-TW" sz="2800"/>
+              <a:t>elif </a:t>
+            </a:r>
+            <a:r>
+              <a:rPr lang="en-US" altLang="zh-TW" sz="2800">
+                <a:solidFill>
+                  <a:schemeClr val="bg1">
+                    <a:lumMod val="50000"/>
+                  </a:schemeClr>
+                </a:solidFill>
+              </a:rPr>
+              <a:t>conditionN</a:t>
+            </a:r>
+            <a:r>
+              <a:rPr lang="en-US" altLang="zh-TW" sz="2800"/>
+              <a:t>:</a:t>
+            </a:r>
+          </a:p>
+          <a:p>
+            <a:r>
+              <a:rPr lang="en-US" altLang="zh-TW" sz="2800"/>
+              <a:t>	</a:t>
+            </a:r>
+            <a:r>
+              <a:rPr lang="en-US" altLang="zh-TW" sz="2800">
+                <a:solidFill>
+                  <a:schemeClr val="bg1">
+                    <a:lumMod val="50000"/>
+                  </a:schemeClr>
+                </a:solidFill>
+              </a:rPr>
+              <a:t>statementN</a:t>
+            </a:r>
+          </a:p>
+          <a:p>
+            <a:r>
+              <a:rPr lang="en-US" altLang="zh-TW" sz="2800"/>
+              <a:t>else:</a:t>
+            </a:r>
+          </a:p>
+          <a:p>
+            <a:r>
+              <a:rPr lang="en-US" altLang="zh-TW" sz="2800"/>
+              <a:t>	</a:t>
+            </a:r>
+            <a:r>
+              <a:rPr lang="en-US" altLang="zh-TW" sz="2800">
+                <a:solidFill>
+                  <a:schemeClr val="bg1">
+                    <a:lumMod val="50000"/>
+                  </a:schemeClr>
+                </a:solidFill>
+              </a:rPr>
+              <a:t>statement</a:t>
+            </a:r>
+          </a:p>
+        </p:txBody>
+      </p:sp>
+    </p:spTree>
+    <p:extLst>
+      <p:ext uri="{BB962C8B-B14F-4D97-AF65-F5344CB8AC3E}">
+        <p14:creationId xmlns:p14="http://schemas.microsoft.com/office/powerpoint/2010/main" val="2893549817"/>
+      </p:ext>
+    </p:extLst>
+  </p:cSld>
+  <p:clrMapOvr>
+    <a:masterClrMapping/>
+  </p:clrMapOvr>
+</p:sld>
+</file>
+
+<file path=ppt/slides/slide25.xml><?xml version="1.0" encoding="utf-8"?>
+<p:sld xmlns:a="http://schemas.openxmlformats.org/drawingml/2006/main" xmlns:r="http://schemas.openxmlformats.org/officeDocument/2006/relationships" xmlns:p="http://schemas.openxmlformats.org/presentationml/2006/main">
+  <p:cSld>
+    <p:spTree>
+      <p:nvGrpSpPr>
+        <p:cNvPr id="1" name=""/>
+        <p:cNvGrpSpPr/>
+        <p:nvPr/>
+      </p:nvGrpSpPr>
+      <p:grpSpPr>
+        <a:xfrm>
+          <a:off x="0" y="0"/>
+          <a:ext cx="0" cy="0"/>
+          <a:chOff x="0" y="0"/>
+          <a:chExt cx="0" cy="0"/>
+        </a:xfrm>
+      </p:grpSpPr>
+      <p:sp>
+        <p:nvSpPr>
+          <p:cNvPr id="2" name="標題 1">
+            <a:extLst>
+              <a:ext uri="{FF2B5EF4-FFF2-40B4-BE49-F238E27FC236}">
+                <a16:creationId xmlns:a16="http://schemas.microsoft.com/office/drawing/2014/main" id="{41D47B51-1287-4F2F-BEDB-0654BAD28EAD}"/>
+              </a:ext>
+            </a:extLst>
+          </p:cNvPr>
+          <p:cNvSpPr>
+            <a:spLocks noGrp="1"/>
+          </p:cNvSpPr>
+          <p:nvPr>
+            <p:ph type="title"/>
+          </p:nvPr>
+        </p:nvSpPr>
+        <p:spPr/>
+        <p:txBody>
+          <a:bodyPr/>
+          <a:lstStyle/>
+          <a:p>
+            <a:r>
+              <a:rPr lang="zh-TW" altLang="en-US"/>
+              <a:t>巢狀 </a:t>
+            </a:r>
+            <a:r>
+              <a:rPr lang="en-US" altLang="zh-TW"/>
+              <a:t>if </a:t>
+            </a:r>
+            <a:r>
+              <a:rPr lang="zh-TW" altLang="en-US"/>
+              <a:t>敘述</a:t>
+            </a:r>
+          </a:p>
+        </p:txBody>
+      </p:sp>
+      <p:sp>
+        <p:nvSpPr>
+          <p:cNvPr id="4" name="文字方塊 3">
+            <a:extLst>
+              <a:ext uri="{FF2B5EF4-FFF2-40B4-BE49-F238E27FC236}">
+                <a16:creationId xmlns:a16="http://schemas.microsoft.com/office/drawing/2014/main" id="{08E4CAC5-C6B5-49F0-8BC9-6081BBFA1680}"/>
+              </a:ext>
+            </a:extLst>
+          </p:cNvPr>
+          <p:cNvSpPr txBox="1"/>
+          <p:nvPr/>
+        </p:nvSpPr>
+        <p:spPr>
+          <a:xfrm>
+            <a:off x="1308471" y="1927412"/>
+            <a:ext cx="5987940" cy="3539430"/>
+          </a:xfrm>
+          <a:prstGeom prst="rect">
+            <a:avLst/>
+          </a:prstGeom>
+          <a:noFill/>
+        </p:spPr>
+        <p:txBody>
+          <a:bodyPr wrap="square" rtlCol="0">
+            <a:spAutoFit/>
+          </a:bodyPr>
+          <a:lstStyle/>
+          <a:p>
+            <a:r>
+              <a:rPr lang="en-US" altLang="zh-TW" sz="2800"/>
+              <a:t>if </a:t>
+            </a:r>
+            <a:r>
+              <a:rPr lang="en-US" altLang="zh-TW" sz="2800">
+                <a:solidFill>
+                  <a:schemeClr val="bg1">
+                    <a:lumMod val="50000"/>
+                  </a:schemeClr>
+                </a:solidFill>
+              </a:rPr>
+              <a:t>condition</a:t>
+            </a:r>
+            <a:r>
+              <a:rPr lang="en-US" altLang="zh-TW" sz="2800"/>
+              <a:t>:</a:t>
+            </a:r>
+          </a:p>
+          <a:p>
+            <a:r>
+              <a:rPr lang="en-US" altLang="zh-TW" sz="2800"/>
+              <a:t>	if </a:t>
+            </a:r>
+            <a:r>
+              <a:rPr lang="en-US" altLang="zh-TW" sz="2800">
+                <a:solidFill>
+                  <a:schemeClr val="bg1">
+                    <a:lumMod val="50000"/>
+                  </a:schemeClr>
+                </a:solidFill>
+              </a:rPr>
+              <a:t>condition</a:t>
+            </a:r>
+            <a:r>
+              <a:rPr lang="en-US" altLang="zh-TW" sz="2800"/>
+              <a:t>:</a:t>
+            </a:r>
+          </a:p>
+          <a:p>
+            <a:r>
+              <a:rPr lang="en-US" altLang="zh-TW" sz="2800">
+                <a:solidFill>
+                  <a:schemeClr val="bg1">
+                    <a:lumMod val="50000"/>
+                  </a:schemeClr>
+                </a:solidFill>
+              </a:rPr>
+              <a:t>		statement</a:t>
+            </a:r>
+          </a:p>
+          <a:p>
+            <a:r>
+              <a:rPr lang="en-US" altLang="zh-TW" sz="2800">
+                <a:solidFill>
+                  <a:schemeClr val="bg1">
+                    <a:lumMod val="50000"/>
+                  </a:schemeClr>
+                </a:solidFill>
+              </a:rPr>
+              <a:t>	</a:t>
+            </a:r>
+            <a:r>
+              <a:rPr lang="en-US" altLang="zh-TW" sz="2800"/>
+              <a:t>else:</a:t>
+            </a:r>
+          </a:p>
+          <a:p>
+            <a:r>
+              <a:rPr lang="en-US" altLang="zh-TW" sz="2800">
+                <a:solidFill>
+                  <a:schemeClr val="bg1">
+                    <a:lumMod val="50000"/>
+                  </a:schemeClr>
+                </a:solidFill>
+              </a:rPr>
+              <a:t>		statement</a:t>
+            </a:r>
+          </a:p>
+          <a:p>
+            <a:r>
+              <a:rPr lang="en-US" altLang="zh-TW" sz="2800"/>
+              <a:t>else:</a:t>
+            </a:r>
+          </a:p>
+          <a:p>
+            <a:r>
+              <a:rPr lang="en-US" altLang="zh-TW" sz="2800">
+                <a:solidFill>
+                  <a:schemeClr val="bg1">
+                    <a:lumMod val="50000"/>
+                  </a:schemeClr>
+                </a:solidFill>
+              </a:rPr>
+              <a:t>	</a:t>
+            </a:r>
+            <a:r>
+              <a:rPr lang="en-US" altLang="zh-TW" sz="2800"/>
+              <a:t>if</a:t>
+            </a:r>
+            <a:r>
+              <a:rPr lang="en-US" altLang="zh-TW" sz="2800">
+                <a:solidFill>
+                  <a:schemeClr val="bg1">
+                    <a:lumMod val="50000"/>
+                  </a:schemeClr>
+                </a:solidFill>
+              </a:rPr>
+              <a:t> condition</a:t>
+            </a:r>
+            <a:r>
+              <a:rPr lang="en-US" altLang="zh-TW" sz="2800"/>
+              <a:t>:</a:t>
+            </a:r>
+          </a:p>
+          <a:p>
+            <a:r>
+              <a:rPr lang="en-US" altLang="zh-TW" sz="2800">
+                <a:solidFill>
+                  <a:schemeClr val="bg1">
+                    <a:lumMod val="50000"/>
+                  </a:schemeClr>
+                </a:solidFill>
+              </a:rPr>
+              <a:t>		statement</a:t>
+            </a:r>
+          </a:p>
+        </p:txBody>
+      </p:sp>
+    </p:spTree>
+    <p:extLst>
+      <p:ext uri="{BB962C8B-B14F-4D97-AF65-F5344CB8AC3E}">
+        <p14:creationId xmlns:p14="http://schemas.microsoft.com/office/powerpoint/2010/main" val="1140415553"/>
+      </p:ext>
+    </p:extLst>
+  </p:cSld>
+  <p:clrMapOvr>
+    <a:masterClrMapping/>
+  </p:clrMapOvr>
+</p:sld>
+</file>
+
+<file path=ppt/slides/slide26.xml><?xml version="1.0" encoding="utf-8"?>
+<p:sld xmlns:a="http://schemas.openxmlformats.org/drawingml/2006/main" xmlns:r="http://schemas.openxmlformats.org/officeDocument/2006/relationships" xmlns:p="http://schemas.openxmlformats.org/presentationml/2006/main">
+  <p:cSld>
+    <p:spTree>
+      <p:nvGrpSpPr>
+        <p:cNvPr id="1" name=""/>
+        <p:cNvGrpSpPr/>
+        <p:nvPr/>
+      </p:nvGrpSpPr>
+      <p:grpSpPr>
+        <a:xfrm>
+          <a:off x="0" y="0"/>
+          <a:ext cx="0" cy="0"/>
+          <a:chOff x="0" y="0"/>
+          <a:chExt cx="0" cy="0"/>
+        </a:xfrm>
+      </p:grpSpPr>
+      <p:sp>
+        <p:nvSpPr>
+          <p:cNvPr id="2" name="標題 1">
+            <a:extLst>
+              <a:ext uri="{FF2B5EF4-FFF2-40B4-BE49-F238E27FC236}">
+                <a16:creationId xmlns:a16="http://schemas.microsoft.com/office/drawing/2014/main" id="{41D47B51-1287-4F2F-BEDB-0654BAD28EAD}"/>
+              </a:ext>
+            </a:extLst>
+          </p:cNvPr>
+          <p:cNvSpPr>
+            <a:spLocks noGrp="1"/>
+          </p:cNvSpPr>
+          <p:nvPr>
+            <p:ph type="title"/>
+          </p:nvPr>
+        </p:nvSpPr>
+        <p:spPr/>
+        <p:txBody>
+          <a:bodyPr/>
+          <a:lstStyle/>
+          <a:p>
+            <a:r>
+              <a:rPr lang="zh-TW" altLang="en-US"/>
+              <a:t>三元運算子</a:t>
+            </a:r>
+          </a:p>
+        </p:txBody>
+      </p:sp>
+      <p:sp>
+        <p:nvSpPr>
+          <p:cNvPr id="4" name="文字方塊 3">
+            <a:extLst>
+              <a:ext uri="{FF2B5EF4-FFF2-40B4-BE49-F238E27FC236}">
+                <a16:creationId xmlns:a16="http://schemas.microsoft.com/office/drawing/2014/main" id="{08E4CAC5-C6B5-49F0-8BC9-6081BBFA1680}"/>
+              </a:ext>
+            </a:extLst>
+          </p:cNvPr>
+          <p:cNvSpPr txBox="1"/>
+          <p:nvPr/>
+        </p:nvSpPr>
+        <p:spPr>
+          <a:xfrm>
+            <a:off x="1308471" y="3117385"/>
+            <a:ext cx="6914866" cy="523220"/>
+          </a:xfrm>
+          <a:prstGeom prst="rect">
+            <a:avLst/>
+          </a:prstGeom>
+          <a:noFill/>
+        </p:spPr>
+        <p:txBody>
+          <a:bodyPr wrap="square" rtlCol="0">
+            <a:spAutoFit/>
+          </a:bodyPr>
+          <a:lstStyle/>
+          <a:p>
+            <a:r>
+              <a:rPr lang="en-US" altLang="zh-TW" sz="2800">
+                <a:solidFill>
+                  <a:schemeClr val="bg1">
+                    <a:lumMod val="50000"/>
+                  </a:schemeClr>
+                </a:solidFill>
+              </a:rPr>
+              <a:t>valueT</a:t>
+            </a:r>
+            <a:r>
+              <a:rPr lang="en-US" altLang="zh-TW" sz="2800"/>
+              <a:t> if </a:t>
+            </a:r>
+            <a:r>
+              <a:rPr lang="en-US" altLang="zh-TW" sz="2800">
+                <a:solidFill>
+                  <a:schemeClr val="bg1">
+                    <a:lumMod val="50000"/>
+                  </a:schemeClr>
+                </a:solidFill>
+              </a:rPr>
+              <a:t>condition</a:t>
+            </a:r>
+            <a:r>
+              <a:rPr lang="en-US" altLang="zh-TW" sz="2800"/>
+              <a:t> else </a:t>
+            </a:r>
+            <a:r>
+              <a:rPr lang="en-US" altLang="zh-TW" sz="2800">
+                <a:solidFill>
+                  <a:schemeClr val="bg1">
+                    <a:lumMod val="50000"/>
+                  </a:schemeClr>
+                </a:solidFill>
+              </a:rPr>
+              <a:t>valueF</a:t>
+            </a:r>
+          </a:p>
+        </p:txBody>
+      </p:sp>
+    </p:spTree>
+    <p:extLst>
+      <p:ext uri="{BB962C8B-B14F-4D97-AF65-F5344CB8AC3E}">
+        <p14:creationId xmlns:p14="http://schemas.microsoft.com/office/powerpoint/2010/main" val="4128712956"/>
+      </p:ext>
+    </p:extLst>
+  </p:cSld>
+  <p:clrMapOvr>
+    <a:masterClrMapping/>
+  </p:clrMapOvr>
+</p:sld>
+</file>
+
+<file path=ppt/slides/slide27.xml><?xml version="1.0" encoding="utf-8"?>
+<p:sld xmlns:a="http://schemas.openxmlformats.org/drawingml/2006/main" xmlns:r="http://schemas.openxmlformats.org/officeDocument/2006/relationships" xmlns:p="http://schemas.openxmlformats.org/presentationml/2006/main">
+  <p:cSld>
+    <p:spTree>
+      <p:nvGrpSpPr>
+        <p:cNvPr id="1" name=""/>
+        <p:cNvGrpSpPr/>
+        <p:nvPr/>
+      </p:nvGrpSpPr>
+      <p:grpSpPr>
+        <a:xfrm>
+          <a:off x="0" y="0"/>
+          <a:ext cx="0" cy="0"/>
+          <a:chOff x="0" y="0"/>
+          <a:chExt cx="0" cy="0"/>
+        </a:xfrm>
+      </p:grpSpPr>
+      <p:sp>
+        <p:nvSpPr>
+          <p:cNvPr id="2" name="標題 1">
+            <a:extLst>
+              <a:ext uri="{FF2B5EF4-FFF2-40B4-BE49-F238E27FC236}">
+                <a16:creationId xmlns:a16="http://schemas.microsoft.com/office/drawing/2014/main" id="{41D47B51-1287-4F2F-BEDB-0654BAD28EAD}"/>
+              </a:ext>
+            </a:extLst>
+          </p:cNvPr>
+          <p:cNvSpPr>
+            <a:spLocks noGrp="1"/>
+          </p:cNvSpPr>
+          <p:nvPr>
+            <p:ph type="title"/>
+          </p:nvPr>
+        </p:nvSpPr>
+        <p:spPr/>
+        <p:txBody>
+          <a:bodyPr/>
+          <a:lstStyle/>
+          <a:p>
+            <a:r>
+              <a:rPr lang="zh-TW" altLang="en-US"/>
+              <a:t>三元運算子</a:t>
+            </a:r>
+          </a:p>
+        </p:txBody>
+      </p:sp>
+      <p:sp>
+        <p:nvSpPr>
+          <p:cNvPr id="4" name="文字方塊 3">
+            <a:extLst>
+              <a:ext uri="{FF2B5EF4-FFF2-40B4-BE49-F238E27FC236}">
+                <a16:creationId xmlns:a16="http://schemas.microsoft.com/office/drawing/2014/main" id="{08E4CAC5-C6B5-49F0-8BC9-6081BBFA1680}"/>
+              </a:ext>
+            </a:extLst>
+          </p:cNvPr>
+          <p:cNvSpPr txBox="1"/>
+          <p:nvPr/>
+        </p:nvSpPr>
+        <p:spPr>
+          <a:xfrm>
+            <a:off x="1308471" y="1927412"/>
+            <a:ext cx="5987940" cy="2677656"/>
+          </a:xfrm>
+          <a:prstGeom prst="rect">
+            <a:avLst/>
+          </a:prstGeom>
+          <a:noFill/>
+        </p:spPr>
+        <p:txBody>
+          <a:bodyPr wrap="square" rtlCol="0">
+            <a:spAutoFit/>
+          </a:bodyPr>
+          <a:lstStyle/>
+          <a:p>
+            <a:r>
+              <a:rPr lang="en-US" altLang="zh-TW" sz="2800"/>
+              <a:t>num = int(input())</a:t>
+            </a:r>
+          </a:p>
+          <a:p>
+            <a:endParaRPr lang="en-US" altLang="zh-TW" sz="2800"/>
+          </a:p>
+          <a:p>
+            <a:r>
+              <a:rPr lang="en-US" altLang="zh-TW" sz="2800"/>
+              <a:t>if num % 2 == 0:</a:t>
+            </a:r>
+          </a:p>
+          <a:p>
+            <a:r>
+              <a:rPr lang="en-US" altLang="zh-TW" sz="2800"/>
+              <a:t>	print(“Even”)</a:t>
+            </a:r>
+          </a:p>
+          <a:p>
+            <a:r>
+              <a:rPr lang="en-US" altLang="zh-TW" sz="2800"/>
+              <a:t>else:</a:t>
+            </a:r>
+          </a:p>
+          <a:p>
+            <a:r>
+              <a:rPr lang="en-US" altLang="zh-TW" sz="2800"/>
+              <a:t>	print(“Odd”)</a:t>
+            </a:r>
+          </a:p>
+        </p:txBody>
+      </p:sp>
+    </p:spTree>
+    <p:extLst>
+      <p:ext uri="{BB962C8B-B14F-4D97-AF65-F5344CB8AC3E}">
+        <p14:creationId xmlns:p14="http://schemas.microsoft.com/office/powerpoint/2010/main" val="1677895608"/>
+      </p:ext>
+    </p:extLst>
+  </p:cSld>
+  <p:clrMapOvr>
+    <a:masterClrMapping/>
+  </p:clrMapOvr>
+</p:sld>
+</file>
+
+<file path=ppt/slides/slide28.xml><?xml version="1.0" encoding="utf-8"?>
+<p:sld xmlns:a="http://schemas.openxmlformats.org/drawingml/2006/main" xmlns:r="http://schemas.openxmlformats.org/officeDocument/2006/relationships" xmlns:p="http://schemas.openxmlformats.org/presentationml/2006/main">
+  <p:cSld>
+    <p:spTree>
+      <p:nvGrpSpPr>
+        <p:cNvPr id="1" name=""/>
+        <p:cNvGrpSpPr/>
+        <p:nvPr/>
+      </p:nvGrpSpPr>
+      <p:grpSpPr>
+        <a:xfrm>
+          <a:off x="0" y="0"/>
+          <a:ext cx="0" cy="0"/>
+          <a:chOff x="0" y="0"/>
+          <a:chExt cx="0" cy="0"/>
+        </a:xfrm>
+      </p:grpSpPr>
+      <p:sp>
+        <p:nvSpPr>
+          <p:cNvPr id="2" name="標題 1">
+            <a:extLst>
+              <a:ext uri="{FF2B5EF4-FFF2-40B4-BE49-F238E27FC236}">
+                <a16:creationId xmlns:a16="http://schemas.microsoft.com/office/drawing/2014/main" id="{41D47B51-1287-4F2F-BEDB-0654BAD28EAD}"/>
+              </a:ext>
+            </a:extLst>
+          </p:cNvPr>
+          <p:cNvSpPr>
+            <a:spLocks noGrp="1"/>
+          </p:cNvSpPr>
+          <p:nvPr>
+            <p:ph type="title"/>
+          </p:nvPr>
+        </p:nvSpPr>
+        <p:spPr/>
+        <p:txBody>
+          <a:bodyPr/>
+          <a:lstStyle/>
+          <a:p>
+            <a:r>
+              <a:rPr lang="zh-TW" altLang="en-US"/>
+              <a:t>三元運算子</a:t>
+            </a:r>
+          </a:p>
+        </p:txBody>
+      </p:sp>
+      <p:sp>
+        <p:nvSpPr>
+          <p:cNvPr id="4" name="文字方塊 3">
+            <a:extLst>
+              <a:ext uri="{FF2B5EF4-FFF2-40B4-BE49-F238E27FC236}">
+                <a16:creationId xmlns:a16="http://schemas.microsoft.com/office/drawing/2014/main" id="{08E4CAC5-C6B5-49F0-8BC9-6081BBFA1680}"/>
+              </a:ext>
+            </a:extLst>
+          </p:cNvPr>
+          <p:cNvSpPr txBox="1"/>
+          <p:nvPr/>
+        </p:nvSpPr>
+        <p:spPr>
+          <a:xfrm>
+            <a:off x="1308470" y="1927412"/>
+            <a:ext cx="8768719" cy="3539430"/>
+          </a:xfrm>
+          <a:prstGeom prst="rect">
+            <a:avLst/>
+          </a:prstGeom>
+          <a:noFill/>
+        </p:spPr>
+        <p:txBody>
+          <a:bodyPr wrap="square" rtlCol="0">
+            <a:spAutoFit/>
+          </a:bodyPr>
+          <a:lstStyle/>
+          <a:p>
+            <a:r>
+              <a:rPr lang="en-US" altLang="zh-TW" sz="2800"/>
+              <a:t>num = int(input())</a:t>
+            </a:r>
+          </a:p>
+          <a:p>
+            <a:endParaRPr lang="en-US" altLang="zh-TW" sz="2800"/>
+          </a:p>
+          <a:p>
+            <a:r>
+              <a:rPr lang="en-US" altLang="zh-TW" sz="2800"/>
+              <a:t>if </a:t>
+            </a:r>
+            <a:r>
+              <a:rPr lang="en-US" altLang="zh-TW" sz="2800">
+                <a:solidFill>
+                  <a:srgbClr val="C00000"/>
+                </a:solidFill>
+              </a:rPr>
+              <a:t>num % 2 == 0</a:t>
+            </a:r>
+            <a:r>
+              <a:rPr lang="en-US" altLang="zh-TW" sz="2800"/>
+              <a:t>:</a:t>
+            </a:r>
+          </a:p>
+          <a:p>
+            <a:r>
+              <a:rPr lang="en-US" altLang="zh-TW" sz="2800"/>
+              <a:t>	print(</a:t>
+            </a:r>
+            <a:r>
+              <a:rPr lang="en-US" altLang="zh-TW" sz="2800">
+                <a:solidFill>
+                  <a:srgbClr val="C00000"/>
+                </a:solidFill>
+              </a:rPr>
+              <a:t>“Even”</a:t>
+            </a:r>
+            <a:r>
+              <a:rPr lang="en-US" altLang="zh-TW" sz="2800"/>
+              <a:t>)</a:t>
+            </a:r>
+          </a:p>
+          <a:p>
+            <a:r>
+              <a:rPr lang="en-US" altLang="zh-TW" sz="2800"/>
+              <a:t>else:</a:t>
+            </a:r>
+          </a:p>
+          <a:p>
+            <a:r>
+              <a:rPr lang="en-US" altLang="zh-TW" sz="2800"/>
+              <a:t>	print(</a:t>
+            </a:r>
+            <a:r>
+              <a:rPr lang="en-US" altLang="zh-TW" sz="2800">
+                <a:solidFill>
+                  <a:srgbClr val="C00000"/>
+                </a:solidFill>
+              </a:rPr>
+              <a:t>“Odd”</a:t>
+            </a:r>
+            <a:r>
+              <a:rPr lang="en-US" altLang="zh-TW" sz="2800"/>
+              <a:t>)</a:t>
+            </a:r>
+          </a:p>
+          <a:p>
+            <a:endParaRPr lang="en-US" altLang="zh-TW" sz="2800"/>
+          </a:p>
+          <a:p>
+            <a:r>
+              <a:rPr lang="en-US" altLang="zh-TW" sz="2800"/>
+              <a:t>print(</a:t>
+            </a:r>
+            <a:r>
+              <a:rPr lang="en-US" altLang="zh-TW" sz="2800">
+                <a:solidFill>
+                  <a:srgbClr val="C00000"/>
+                </a:solidFill>
+              </a:rPr>
+              <a:t>“Even” </a:t>
+            </a:r>
+            <a:r>
+              <a:rPr lang="en-US" altLang="zh-TW" sz="2800"/>
+              <a:t>if </a:t>
+            </a:r>
+            <a:r>
+              <a:rPr lang="en-US" altLang="zh-TW" sz="2800">
+                <a:solidFill>
+                  <a:srgbClr val="C00000"/>
+                </a:solidFill>
+              </a:rPr>
+              <a:t>(num % 2 == 0) </a:t>
+            </a:r>
+            <a:r>
+              <a:rPr lang="en-US" altLang="zh-TW" sz="2800"/>
+              <a:t>else </a:t>
+            </a:r>
+            <a:r>
+              <a:rPr lang="en-US" altLang="zh-TW" sz="2800">
+                <a:solidFill>
+                  <a:srgbClr val="C00000"/>
+                </a:solidFill>
+              </a:rPr>
+              <a:t>“Odd”</a:t>
+            </a:r>
+            <a:r>
+              <a:rPr lang="en-US" altLang="zh-TW" sz="2800"/>
+              <a:t>)</a:t>
+            </a:r>
+          </a:p>
+        </p:txBody>
+      </p:sp>
+    </p:spTree>
+    <p:extLst>
+      <p:ext uri="{BB962C8B-B14F-4D97-AF65-F5344CB8AC3E}">
+        <p14:creationId xmlns:p14="http://schemas.microsoft.com/office/powerpoint/2010/main" val="2373134853"/>
+      </p:ext>
+    </p:extLst>
+  </p:cSld>
+  <p:clrMapOvr>
+    <a:masterClrMapping/>
+  </p:clrMapOvr>
+</p:sld>
+</file>
+
+<file path=ppt/slides/slide29.xml><?xml version="1.0" encoding="utf-8"?>
+<p:sld xmlns:a="http://schemas.openxmlformats.org/drawingml/2006/main" xmlns:r="http://schemas.openxmlformats.org/officeDocument/2006/relationships" xmlns:p="http://schemas.openxmlformats.org/presentationml/2006/main">
+  <p:cSld>
+    <p:spTree>
+      <p:nvGrpSpPr>
+        <p:cNvPr id="1" name=""/>
+        <p:cNvGrpSpPr/>
+        <p:nvPr/>
+      </p:nvGrpSpPr>
+      <p:grpSpPr>
+        <a:xfrm>
+          <a:off x="0" y="0"/>
+          <a:ext cx="0" cy="0"/>
+          <a:chOff x="0" y="0"/>
+          <a:chExt cx="0" cy="0"/>
+        </a:xfrm>
+      </p:grpSpPr>
+      <p:sp>
+        <p:nvSpPr>
+          <p:cNvPr id="2" name="標題 1">
+            <a:extLst>
+              <a:ext uri="{FF2B5EF4-FFF2-40B4-BE49-F238E27FC236}">
+                <a16:creationId xmlns:a16="http://schemas.microsoft.com/office/drawing/2014/main" id="{41D47B51-1287-4F2F-BEDB-0654BAD28EAD}"/>
+              </a:ext>
+            </a:extLst>
+          </p:cNvPr>
+          <p:cNvSpPr>
+            <a:spLocks noGrp="1"/>
+          </p:cNvSpPr>
+          <p:nvPr>
+            <p:ph type="title"/>
+          </p:nvPr>
+        </p:nvSpPr>
+        <p:spPr/>
+        <p:txBody>
+          <a:bodyPr/>
+          <a:lstStyle/>
+          <a:p>
+            <a:r>
+              <a:rPr lang="zh-TW" altLang="en-US"/>
+              <a:t>三元運算子</a:t>
+            </a:r>
+          </a:p>
+        </p:txBody>
+      </p:sp>
+      <p:sp>
+        <p:nvSpPr>
+          <p:cNvPr id="4" name="文字方塊 3">
+            <a:extLst>
+              <a:ext uri="{FF2B5EF4-FFF2-40B4-BE49-F238E27FC236}">
+                <a16:creationId xmlns:a16="http://schemas.microsoft.com/office/drawing/2014/main" id="{08E4CAC5-C6B5-49F0-8BC9-6081BBFA1680}"/>
+              </a:ext>
+            </a:extLst>
+          </p:cNvPr>
+          <p:cNvSpPr txBox="1"/>
+          <p:nvPr/>
+        </p:nvSpPr>
+        <p:spPr>
+          <a:xfrm>
+            <a:off x="1308470" y="1927412"/>
+            <a:ext cx="8768719" cy="3970318"/>
+          </a:xfrm>
+          <a:prstGeom prst="rect">
+            <a:avLst/>
+          </a:prstGeom>
+          <a:noFill/>
+        </p:spPr>
+        <p:txBody>
+          <a:bodyPr wrap="square" rtlCol="0">
+            <a:spAutoFit/>
+          </a:bodyPr>
+          <a:lstStyle/>
+          <a:p>
+            <a:r>
+              <a:rPr lang="en-US" altLang="zh-TW" sz="2800"/>
+              <a:t>num = int(input())</a:t>
+            </a:r>
+          </a:p>
+          <a:p>
+            <a:r>
+              <a:rPr lang="en-US" altLang="zh-TW" sz="2800"/>
+              <a:t>count = 0</a:t>
+            </a:r>
+          </a:p>
+          <a:p>
+            <a:endParaRPr lang="en-US" altLang="zh-TW" sz="2800"/>
+          </a:p>
+          <a:p>
+            <a:r>
+              <a:rPr lang="en-US" altLang="zh-TW" sz="2800"/>
+              <a:t>if </a:t>
+            </a:r>
+            <a:r>
+              <a:rPr lang="en-US" altLang="zh-TW" sz="2800">
+                <a:solidFill>
+                  <a:srgbClr val="C00000"/>
+                </a:solidFill>
+              </a:rPr>
+              <a:t>num % 2 == 0</a:t>
+            </a:r>
+            <a:r>
+              <a:rPr lang="en-US" altLang="zh-TW" sz="2800"/>
+              <a:t>:</a:t>
+            </a:r>
+          </a:p>
+          <a:p>
+            <a:r>
+              <a:rPr lang="en-US" altLang="zh-TW" sz="2800"/>
+              <a:t>	count </a:t>
+            </a:r>
+            <a:r>
+              <a:rPr lang="en-US" altLang="zh-TW" sz="2800">
+                <a:solidFill>
+                  <a:srgbClr val="C00000"/>
+                </a:solidFill>
+              </a:rPr>
+              <a:t>+= 1</a:t>
+            </a:r>
+          </a:p>
+          <a:p>
+            <a:r>
+              <a:rPr lang="en-US" altLang="zh-TW" sz="2800"/>
+              <a:t>else:</a:t>
+            </a:r>
+          </a:p>
+          <a:p>
+            <a:r>
+              <a:rPr lang="en-US" altLang="zh-TW" sz="2800"/>
+              <a:t>	count </a:t>
+            </a:r>
+            <a:r>
+              <a:rPr lang="en-US" altLang="zh-TW" sz="2800">
+                <a:solidFill>
+                  <a:srgbClr val="C00000"/>
+                </a:solidFill>
+              </a:rPr>
+              <a:t>-= 1</a:t>
+            </a:r>
+          </a:p>
+          <a:p>
+            <a:endParaRPr lang="en-US" altLang="zh-TW" sz="2800"/>
+          </a:p>
+          <a:p>
+            <a:r>
+              <a:rPr lang="en-US" altLang="zh-TW" sz="2800"/>
+              <a:t>count += </a:t>
+            </a:r>
+            <a:r>
+              <a:rPr lang="en-US" altLang="zh-TW" sz="2800">
+                <a:solidFill>
+                  <a:srgbClr val="C00000"/>
+                </a:solidFill>
+              </a:rPr>
+              <a:t>1</a:t>
+            </a:r>
+            <a:r>
+              <a:rPr lang="en-US" altLang="zh-TW" sz="2800"/>
+              <a:t> if (</a:t>
+            </a:r>
+            <a:r>
+              <a:rPr lang="en-US" altLang="zh-TW" sz="2800">
+                <a:solidFill>
+                  <a:srgbClr val="C00000"/>
+                </a:solidFill>
+              </a:rPr>
+              <a:t>num % 2 == 0</a:t>
+            </a:r>
+            <a:r>
+              <a:rPr lang="en-US" altLang="zh-TW" sz="2800"/>
+              <a:t>) else </a:t>
+            </a:r>
+            <a:r>
+              <a:rPr lang="en-US" altLang="zh-TW" sz="2800">
+                <a:solidFill>
+                  <a:srgbClr val="C00000"/>
+                </a:solidFill>
+              </a:rPr>
+              <a:t>-1</a:t>
+            </a:r>
+          </a:p>
+        </p:txBody>
+      </p:sp>
+    </p:spTree>
+    <p:extLst>
+      <p:ext uri="{BB962C8B-B14F-4D97-AF65-F5344CB8AC3E}">
+        <p14:creationId xmlns:p14="http://schemas.microsoft.com/office/powerpoint/2010/main" val="2496838101"/>
       </p:ext>
     </p:extLst>
   </p:cSld>
@@ -9487,8 +12978,8 @@
             </a:p>
           </p:txBody>
         </p:sp>
-        <mc:AlternateContent xmlns:mc="http://schemas.openxmlformats.org/markup-compatibility/2006">
-          <mc:Choice xmlns:a14="http://schemas.microsoft.com/office/drawing/2010/main" Requires="a14">
+        <mc:AlternateContent xmlns:mc="http://schemas.openxmlformats.org/markup-compatibility/2006" xmlns:a14="http://schemas.microsoft.com/office/drawing/2010/main">
+          <mc:Choice Requires="a14">
             <p:sp>
               <p:nvSpPr>
                 <p:cNvPr id="5" name="文字方塊 4">
@@ -9517,6 +13008,7 @@
                 </a:bodyPr>
                 <a:lstStyle/>
                 <a:p>
+                  <a:pPr/>
                   <a14:m>
                     <m:oMathPara xmlns:m="http://schemas.openxmlformats.org/officeDocument/2006/math">
                       <m:oMathParaPr>
@@ -9585,7 +13077,7 @@
               </p:txBody>
             </p:sp>
           </mc:Choice>
-          <mc:Fallback>
+          <mc:Fallback xmlns="">
             <p:sp>
               <p:nvSpPr>
                 <p:cNvPr id="5" name="文字方塊 4">

--- a/Class 3.pptx
+++ b/Class 3.pptx
@@ -1127,6 +1127,16 @@
             <a:t>&gt;		</a:t>
           </a:r>
           <a:r>
+            <a:rPr lang="zh-TW" altLang="en-US" sz="2000">
+              <a:solidFill>
+                <a:schemeClr val="bg1">
+                  <a:lumMod val="50000"/>
+                </a:schemeClr>
+              </a:solidFill>
+            </a:rPr>
+            <a:t>是否</a:t>
+          </a:r>
+          <a:r>
             <a:rPr lang="zh-TW" altLang="en-US" sz="2000"/>
             <a:t>大於</a:t>
           </a:r>
@@ -1378,6 +1388,16 @@
             <a:t>&lt;		</a:t>
           </a:r>
           <a:r>
+            <a:rPr lang="zh-TW" altLang="en-US" sz="2000">
+              <a:solidFill>
+                <a:schemeClr val="bg1">
+                  <a:lumMod val="50000"/>
+                </a:schemeClr>
+              </a:solidFill>
+            </a:rPr>
+            <a:t>是否</a:t>
+          </a:r>
+          <a:r>
             <a:rPr lang="zh-TW" altLang="en-US" sz="2000"/>
             <a:t>小於</a:t>
           </a:r>
@@ -1419,6 +1439,16 @@
           <a:r>
             <a:rPr lang="en-US" altLang="zh-TW" sz="2000"/>
             <a:t>&gt;=	</a:t>
+          </a:r>
+          <a:r>
+            <a:rPr lang="zh-TW" altLang="en-US" sz="2000">
+              <a:solidFill>
+                <a:schemeClr val="bg1">
+                  <a:lumMod val="50000"/>
+                </a:schemeClr>
+              </a:solidFill>
+            </a:rPr>
+            <a:t>是否</a:t>
           </a:r>
           <a:r>
             <a:rPr lang="zh-TW" altLang="en-US" sz="2000"/>
@@ -1464,6 +1494,16 @@
             <a:t>&lt;=	</a:t>
           </a:r>
           <a:r>
+            <a:rPr lang="zh-TW" altLang="en-US" sz="2000">
+              <a:solidFill>
+                <a:schemeClr val="bg1">
+                  <a:lumMod val="50000"/>
+                </a:schemeClr>
+              </a:solidFill>
+            </a:rPr>
+            <a:t>是否</a:t>
+          </a:r>
+          <a:r>
             <a:rPr lang="zh-TW" altLang="en-US" sz="2000"/>
             <a:t>小於等於</a:t>
           </a:r>
@@ -1507,6 +1547,16 @@
             <a:t>==	</a:t>
           </a:r>
           <a:r>
+            <a:rPr lang="zh-TW" altLang="en-US" sz="2000">
+              <a:solidFill>
+                <a:schemeClr val="bg1">
+                  <a:lumMod val="50000"/>
+                </a:schemeClr>
+              </a:solidFill>
+            </a:rPr>
+            <a:t>是否</a:t>
+          </a:r>
+          <a:r>
             <a:rPr lang="zh-TW" altLang="en-US" sz="2000"/>
             <a:t>等於</a:t>
           </a:r>
@@ -1548,6 +1598,16 @@
           <a:r>
             <a:rPr lang="en-US" altLang="zh-TW" sz="2000"/>
             <a:t>!=	</a:t>
+          </a:r>
+          <a:r>
+            <a:rPr lang="zh-TW" altLang="en-US" sz="2000">
+              <a:solidFill>
+                <a:schemeClr val="bg1">
+                  <a:lumMod val="50000"/>
+                </a:schemeClr>
+              </a:solidFill>
+            </a:rPr>
+            <a:t>是否</a:t>
           </a:r>
           <a:r>
             <a:rPr lang="zh-TW" altLang="en-US" sz="2000"/>
@@ -2348,6 +2408,16 @@
             <a:t>&gt;		</a:t>
           </a:r>
           <a:r>
+            <a:rPr lang="zh-TW" altLang="en-US" sz="2000" kern="1200">
+              <a:solidFill>
+                <a:schemeClr val="bg1">
+                  <a:lumMod val="50000"/>
+                </a:schemeClr>
+              </a:solidFill>
+            </a:rPr>
+            <a:t>是否</a:t>
+          </a:r>
+          <a:r>
             <a:rPr lang="zh-TW" altLang="en-US" sz="2000" kern="1200"/>
             <a:t>大於</a:t>
           </a:r>
@@ -2368,6 +2438,16 @@
           <a:r>
             <a:rPr lang="en-US" altLang="zh-TW" sz="2000" kern="1200"/>
             <a:t>&lt;		</a:t>
+          </a:r>
+          <a:r>
+            <a:rPr lang="zh-TW" altLang="en-US" sz="2000" kern="1200">
+              <a:solidFill>
+                <a:schemeClr val="bg1">
+                  <a:lumMod val="50000"/>
+                </a:schemeClr>
+              </a:solidFill>
+            </a:rPr>
+            <a:t>是否</a:t>
           </a:r>
           <a:r>
             <a:rPr lang="zh-TW" altLang="en-US" sz="2000" kern="1200"/>
@@ -2392,6 +2472,16 @@
             <a:t>&gt;=	</a:t>
           </a:r>
           <a:r>
+            <a:rPr lang="zh-TW" altLang="en-US" sz="2000" kern="1200">
+              <a:solidFill>
+                <a:schemeClr val="bg1">
+                  <a:lumMod val="50000"/>
+                </a:schemeClr>
+              </a:solidFill>
+            </a:rPr>
+            <a:t>是否</a:t>
+          </a:r>
+          <a:r>
             <a:rPr lang="zh-TW" altLang="en-US" sz="2000" kern="1200"/>
             <a:t>大於等於</a:t>
           </a:r>
@@ -2412,6 +2502,16 @@
           <a:r>
             <a:rPr lang="en-US" altLang="zh-TW" sz="2000" kern="1200"/>
             <a:t>&lt;=	</a:t>
+          </a:r>
+          <a:r>
+            <a:rPr lang="zh-TW" altLang="en-US" sz="2000" kern="1200">
+              <a:solidFill>
+                <a:schemeClr val="bg1">
+                  <a:lumMod val="50000"/>
+                </a:schemeClr>
+              </a:solidFill>
+            </a:rPr>
+            <a:t>是否</a:t>
           </a:r>
           <a:r>
             <a:rPr lang="zh-TW" altLang="en-US" sz="2000" kern="1200"/>
@@ -2436,6 +2536,16 @@
             <a:t>==	</a:t>
           </a:r>
           <a:r>
+            <a:rPr lang="zh-TW" altLang="en-US" sz="2000" kern="1200">
+              <a:solidFill>
+                <a:schemeClr val="bg1">
+                  <a:lumMod val="50000"/>
+                </a:schemeClr>
+              </a:solidFill>
+            </a:rPr>
+            <a:t>是否</a:t>
+          </a:r>
+          <a:r>
             <a:rPr lang="zh-TW" altLang="en-US" sz="2000" kern="1200"/>
             <a:t>等於</a:t>
           </a:r>
@@ -2456,6 +2566,16 @@
           <a:r>
             <a:rPr lang="en-US" altLang="zh-TW" sz="2000" kern="1200"/>
             <a:t>!=	</a:t>
+          </a:r>
+          <a:r>
+            <a:rPr lang="zh-TW" altLang="en-US" sz="2000" kern="1200">
+              <a:solidFill>
+                <a:schemeClr val="bg1">
+                  <a:lumMod val="50000"/>
+                </a:schemeClr>
+              </a:solidFill>
+            </a:rPr>
+            <a:t>是否</a:t>
           </a:r>
           <a:r>
             <a:rPr lang="zh-TW" altLang="en-US" sz="2000" kern="1200"/>
@@ -4009,7 +4129,7 @@
           <a:p>
             <a:fld id="{BF51CC50-1508-4079-93BE-582398950861}" type="datetimeFigureOut">
               <a:rPr lang="zh-TW" altLang="en-US" smtClean="0"/>
-              <a:t>2022/9/22</a:t>
+              <a:t>2022/9/28</a:t>
             </a:fld>
             <a:endParaRPr lang="zh-TW" altLang="en-US"/>
           </a:p>
@@ -4712,7 +4832,7 @@
           <a:p>
             <a:fld id="{57EACAA5-A08A-41DD-94DD-1D4306A1D919}" type="datetimeFigureOut">
               <a:rPr lang="zh-TW" altLang="en-US" smtClean="0"/>
-              <a:t>2022/9/22</a:t>
+              <a:t>2022/9/28</a:t>
             </a:fld>
             <a:endParaRPr lang="zh-TW" altLang="en-US"/>
           </a:p>
@@ -4940,7 +5060,7 @@
           <a:p>
             <a:fld id="{57EACAA5-A08A-41DD-94DD-1D4306A1D919}" type="datetimeFigureOut">
               <a:rPr lang="zh-TW" altLang="en-US" smtClean="0"/>
-              <a:t>2022/9/22</a:t>
+              <a:t>2022/9/28</a:t>
             </a:fld>
             <a:endParaRPr lang="zh-TW" altLang="en-US"/>
           </a:p>
@@ -5120,7 +5240,7 @@
           <a:p>
             <a:fld id="{57EACAA5-A08A-41DD-94DD-1D4306A1D919}" type="datetimeFigureOut">
               <a:rPr lang="zh-TW" altLang="en-US" smtClean="0"/>
-              <a:t>2022/9/22</a:t>
+              <a:t>2022/9/28</a:t>
             </a:fld>
             <a:endParaRPr lang="zh-TW" altLang="en-US"/>
           </a:p>
@@ -5290,7 +5410,7 @@
           <a:p>
             <a:fld id="{57EACAA5-A08A-41DD-94DD-1D4306A1D919}" type="datetimeFigureOut">
               <a:rPr lang="zh-TW" altLang="en-US" smtClean="0"/>
-              <a:t>2022/9/22</a:t>
+              <a:t>2022/9/28</a:t>
             </a:fld>
             <a:endParaRPr lang="zh-TW" altLang="en-US"/>
           </a:p>
@@ -5544,7 +5664,7 @@
           <a:p>
             <a:fld id="{57EACAA5-A08A-41DD-94DD-1D4306A1D919}" type="datetimeFigureOut">
               <a:rPr lang="zh-TW" altLang="en-US" smtClean="0"/>
-              <a:t>2022/9/22</a:t>
+              <a:t>2022/9/28</a:t>
             </a:fld>
             <a:endParaRPr lang="zh-TW" altLang="en-US"/>
           </a:p>
@@ -5870,7 +5990,7 @@
           <a:p>
             <a:fld id="{57EACAA5-A08A-41DD-94DD-1D4306A1D919}" type="datetimeFigureOut">
               <a:rPr lang="zh-TW" altLang="en-US" smtClean="0"/>
-              <a:t>2022/9/22</a:t>
+              <a:t>2022/9/28</a:t>
             </a:fld>
             <a:endParaRPr lang="zh-TW" altLang="en-US"/>
           </a:p>
@@ -6321,7 +6441,7 @@
           <a:p>
             <a:fld id="{57EACAA5-A08A-41DD-94DD-1D4306A1D919}" type="datetimeFigureOut">
               <a:rPr lang="zh-TW" altLang="en-US" smtClean="0"/>
-              <a:t>2022/9/22</a:t>
+              <a:t>2022/9/28</a:t>
             </a:fld>
             <a:endParaRPr lang="zh-TW" altLang="en-US"/>
           </a:p>
@@ -6439,7 +6559,7 @@
           <a:p>
             <a:fld id="{57EACAA5-A08A-41DD-94DD-1D4306A1D919}" type="datetimeFigureOut">
               <a:rPr lang="zh-TW" altLang="en-US" smtClean="0"/>
-              <a:t>2022/9/22</a:t>
+              <a:t>2022/9/28</a:t>
             </a:fld>
             <a:endParaRPr lang="zh-TW" altLang="en-US"/>
           </a:p>
@@ -6534,7 +6654,7 @@
           <a:p>
             <a:fld id="{57EACAA5-A08A-41DD-94DD-1D4306A1D919}" type="datetimeFigureOut">
               <a:rPr lang="zh-TW" altLang="en-US" smtClean="0"/>
-              <a:t>2022/9/22</a:t>
+              <a:t>2022/9/28</a:t>
             </a:fld>
             <a:endParaRPr lang="zh-TW" altLang="en-US"/>
           </a:p>
@@ -6821,7 +6941,7 @@
           <a:p>
             <a:fld id="{57EACAA5-A08A-41DD-94DD-1D4306A1D919}" type="datetimeFigureOut">
               <a:rPr lang="zh-TW" altLang="en-US" smtClean="0"/>
-              <a:t>2022/9/22</a:t>
+              <a:t>2022/9/28</a:t>
             </a:fld>
             <a:endParaRPr lang="zh-TW" altLang="en-US"/>
           </a:p>
@@ -7143,7 +7263,7 @@
           <a:p>
             <a:fld id="{57EACAA5-A08A-41DD-94DD-1D4306A1D919}" type="datetimeFigureOut">
               <a:rPr lang="zh-TW" altLang="en-US" smtClean="0"/>
-              <a:t>2022/9/22</a:t>
+              <a:t>2022/9/28</a:t>
             </a:fld>
             <a:endParaRPr lang="zh-TW" altLang="en-US"/>
           </a:p>
@@ -7397,7 +7517,7 @@
           <a:p>
             <a:fld id="{57EACAA5-A08A-41DD-94DD-1D4306A1D919}" type="datetimeFigureOut">
               <a:rPr lang="zh-TW" altLang="en-US" smtClean="0"/>
-              <a:t>2022/9/22</a:t>
+              <a:t>2022/9/28</a:t>
             </a:fld>
             <a:endParaRPr lang="zh-TW" altLang="en-US"/>
           </a:p>
@@ -12579,7 +12699,7 @@
           <p:nvPr>
             <p:extLst>
               <p:ext uri="{D42A27DB-BD31-4B8C-83A1-F6EECF244321}">
-                <p14:modId xmlns:p14="http://schemas.microsoft.com/office/powerpoint/2010/main" val="2359543796"/>
+                <p14:modId xmlns:p14="http://schemas.microsoft.com/office/powerpoint/2010/main" val="992352818"/>
               </p:ext>
             </p:extLst>
           </p:nvPr>
@@ -13521,7 +13641,7 @@
           <p:nvPr>
             <p:extLst>
               <p:ext uri="{D42A27DB-BD31-4B8C-83A1-F6EECF244321}">
-                <p14:modId xmlns:p14="http://schemas.microsoft.com/office/powerpoint/2010/main" val="3276049927"/>
+                <p14:modId xmlns:p14="http://schemas.microsoft.com/office/powerpoint/2010/main" val="144254849"/>
               </p:ext>
             </p:extLst>
           </p:nvPr>
@@ -13814,7 +13934,7 @@
                       <a:pPr algn="ctr"/>
                       <a:r>
                         <a:rPr lang="en-US" altLang="zh-TW" sz="2800"/>
-                        <a:t>0</a:t>
+                        <a:t>1</a:t>
                       </a:r>
                       <a:endParaRPr lang="zh-TW" altLang="en-US" sz="2800"/>
                     </a:p>

--- a/Class 3.pptx
+++ b/Class 3.pptx
@@ -1810,6 +1810,120 @@
         </a:p>
       </dgm:t>
     </dgm:pt>
+    <dgm:pt modelId="{B658C17C-2199-476B-809E-7A413EFEEA33}">
+      <dgm:prSet phldrT="[文字]" custT="1"/>
+      <dgm:spPr/>
+      <dgm:t>
+        <a:bodyPr/>
+        <a:lstStyle/>
+        <a:p>
+          <a:pPr>
+            <a:buNone/>
+          </a:pPr>
+          <a:r>
+            <a:rPr lang="en-US" altLang="zh-TW" sz="2000"/>
+            <a:t>in	</a:t>
+          </a:r>
+          <a:r>
+            <a:rPr lang="zh-TW" altLang="en-US" sz="2000">
+              <a:solidFill>
+                <a:schemeClr val="bg1">
+                  <a:lumMod val="50000"/>
+                </a:schemeClr>
+              </a:solidFill>
+            </a:rPr>
+            <a:t>是否</a:t>
+          </a:r>
+          <a:r>
+            <a:rPr lang="zh-TW" altLang="en-US" sz="2000"/>
+            <a:t>屬於</a:t>
+          </a:r>
+        </a:p>
+      </dgm:t>
+    </dgm:pt>
+    <dgm:pt modelId="{88CBD1E3-D45A-46C8-90FD-7BBBE2380086}" type="parTrans" cxnId="{3F60D8F7-A254-4143-8494-DB0821104579}">
+      <dgm:prSet/>
+      <dgm:spPr/>
+      <dgm:t>
+        <a:bodyPr/>
+        <a:lstStyle/>
+        <a:p>
+          <a:endParaRPr lang="zh-TW" altLang="en-US"/>
+        </a:p>
+      </dgm:t>
+    </dgm:pt>
+    <dgm:pt modelId="{0A9C3773-69C2-449D-846D-0C5DC3DA8BD2}" type="sibTrans" cxnId="{3F60D8F7-A254-4143-8494-DB0821104579}">
+      <dgm:prSet/>
+      <dgm:spPr/>
+      <dgm:t>
+        <a:bodyPr/>
+        <a:lstStyle/>
+        <a:p>
+          <a:endParaRPr lang="zh-TW" altLang="en-US"/>
+        </a:p>
+      </dgm:t>
+    </dgm:pt>
+    <dgm:pt modelId="{B6430E12-5322-4EDC-B0F5-CC120AF1BEDA}">
+      <dgm:prSet phldrT="[文字]" custT="1"/>
+      <dgm:spPr/>
+      <dgm:t>
+        <a:bodyPr/>
+        <a:lstStyle/>
+        <a:p>
+          <a:pPr>
+            <a:buNone/>
+          </a:pPr>
+          <a:r>
+            <a:rPr lang="en-US" altLang="zh-TW" sz="2000"/>
+            <a:t>not</a:t>
+          </a:r>
+          <a:r>
+            <a:rPr lang="en-US" altLang="zh-TW" sz="1100"/>
+            <a:t> </a:t>
+          </a:r>
+          <a:r>
+            <a:rPr lang="en-US" altLang="zh-TW" sz="2000"/>
+            <a:t>in	</a:t>
+          </a:r>
+          <a:r>
+            <a:rPr lang="zh-TW" altLang="en-US" sz="2000">
+              <a:solidFill>
+                <a:schemeClr val="bg1">
+                  <a:lumMod val="50000"/>
+                </a:schemeClr>
+              </a:solidFill>
+            </a:rPr>
+            <a:t>是否</a:t>
+          </a:r>
+          <a:r>
+            <a:rPr lang="zh-TW" altLang="en-US" sz="2000"/>
+            <a:t>不屬於</a:t>
+          </a:r>
+        </a:p>
+      </dgm:t>
+    </dgm:pt>
+    <dgm:pt modelId="{8F53A839-872C-4A8F-B934-C87FCCBF75B3}" type="parTrans" cxnId="{5E00EF45-6D1C-401C-8310-65DE9F028621}">
+      <dgm:prSet/>
+      <dgm:spPr/>
+      <dgm:t>
+        <a:bodyPr/>
+        <a:lstStyle/>
+        <a:p>
+          <a:endParaRPr lang="zh-TW" altLang="en-US"/>
+        </a:p>
+      </dgm:t>
+    </dgm:pt>
+    <dgm:pt modelId="{EEE7E934-3860-4C43-BA24-7213FAB5C05E}" type="sibTrans" cxnId="{5E00EF45-6D1C-401C-8310-65DE9F028621}">
+      <dgm:prSet/>
+      <dgm:spPr/>
+      <dgm:t>
+        <a:bodyPr/>
+        <a:lstStyle/>
+        <a:p>
+          <a:endParaRPr lang="zh-TW" altLang="en-US"/>
+        </a:p>
+      </dgm:t>
+    </dgm:pt>
     <dgm:pt modelId="{EACC58C6-C413-4940-A3BE-9E1642DCF6FD}" type="pres">
       <dgm:prSet presAssocID="{2C138F02-61B4-4BE1-AD9B-3520F2EDDD93}" presName="Name0" presStyleCnt="0">
         <dgm:presLayoutVars>
@@ -1909,6 +2023,7 @@
     <dgm:cxn modelId="{9E22273D-90AB-47ED-A82E-0C47FF57E60C}" srcId="{558901B3-1F9A-46E4-949A-EF00DFAB962D}" destId="{9FC53E5A-0CEA-49AB-B418-E720DA7D9705}" srcOrd="5" destOrd="0" parTransId="{F06E47F0-6B58-4ED8-B02C-D620C4B61247}" sibTransId="{8D6E560B-A2BB-4A77-B017-1C4DE89A40E5}"/>
     <dgm:cxn modelId="{ACA36F3D-C63B-461E-AEAD-7BCD1003243E}" type="presOf" srcId="{72C98FFE-825A-4BAE-8DA9-32AB2B3D1EEB}" destId="{BD831292-1332-48E9-B1F2-5D73CC306BF4}" srcOrd="0" destOrd="0" presId="urn:microsoft.com/office/officeart/2005/8/layout/hList1"/>
     <dgm:cxn modelId="{F42ED461-A620-4FAF-B559-73CFB8A448EC}" type="presOf" srcId="{7C73ABD2-5361-4E79-A09B-09B4B945CFF3}" destId="{601CDA20-70CD-453C-BD05-E610830FC6D2}" srcOrd="0" destOrd="2" presId="urn:microsoft.com/office/officeart/2005/8/layout/hList1"/>
+    <dgm:cxn modelId="{5E00EF45-6D1C-401C-8310-65DE9F028621}" srcId="{16A6F36B-6333-4C1B-A0F5-3F9F7EE14E4C}" destId="{B6430E12-5322-4EDC-B0F5-CC120AF1BEDA}" srcOrd="7" destOrd="0" parTransId="{8F53A839-872C-4A8F-B934-C87FCCBF75B3}" sibTransId="{EEE7E934-3860-4C43-BA24-7213FAB5C05E}"/>
     <dgm:cxn modelId="{48F87768-BBD0-48A3-A4B7-127D58B9F227}" type="presOf" srcId="{93E02222-7093-44BD-B09C-3067D3B9BC2A}" destId="{2A186F65-26BC-4D9B-92E2-B32C0A3C6694}" srcOrd="0" destOrd="6" presId="urn:microsoft.com/office/officeart/2005/8/layout/hList1"/>
     <dgm:cxn modelId="{C3E0726E-2C9E-4276-B621-EDEC88D8EA7A}" srcId="{558901B3-1F9A-46E4-949A-EF00DFAB962D}" destId="{32EC6FE5-AB86-4941-A908-93C0120C795C}" srcOrd="2" destOrd="0" parTransId="{A9D39ABF-7B4E-44F8-AA07-FA0F94BD9034}" sibTransId="{C4A585E0-A7C6-46AE-8C5C-11649D791990}"/>
     <dgm:cxn modelId="{BF591270-C47B-4427-8A1B-DFA03A4705E9}" srcId="{680CB3D7-17A9-46A4-A2EF-37078C5A7C52}" destId="{2818CA50-19C8-4A23-A9FB-5711177802CB}" srcOrd="0" destOrd="0" parTransId="{4BA2477F-DB6E-408D-9478-FE8422F00A63}" sibTransId="{AF608331-D861-4A83-8326-BBA804C658F9}"/>
@@ -1920,6 +2035,7 @@
     <dgm:cxn modelId="{0D9F6181-A89D-4D07-9C7B-0CA053C53397}" srcId="{558901B3-1F9A-46E4-949A-EF00DFAB962D}" destId="{CDA5A09E-2C7B-436C-BE8C-4AF54AA134BE}" srcOrd="4" destOrd="0" parTransId="{70DAB166-C098-42A1-9A8C-C87CC0CEBA3A}" sibTransId="{9B3D4C89-998E-4FBB-9C16-161D0E84F704}"/>
     <dgm:cxn modelId="{6FA7D68D-434A-4759-8863-83BEB6B7D205}" type="presOf" srcId="{2818CA50-19C8-4A23-A9FB-5711177802CB}" destId="{601CDA20-70CD-453C-BD05-E610830FC6D2}" srcOrd="0" destOrd="0" presId="urn:microsoft.com/office/officeart/2005/8/layout/hList1"/>
     <dgm:cxn modelId="{7AEC7A99-3B67-4A1A-AAD8-4D139757C490}" type="presOf" srcId="{E5316B0A-3F16-48A7-91CA-EA7513ABB6E5}" destId="{BD831292-1332-48E9-B1F2-5D73CC306BF4}" srcOrd="0" destOrd="3" presId="urn:microsoft.com/office/officeart/2005/8/layout/hList1"/>
+    <dgm:cxn modelId="{57BC409F-5764-447E-9096-0AB438AFB136}" type="presOf" srcId="{B658C17C-2199-476B-809E-7A413EFEEA33}" destId="{BD831292-1332-48E9-B1F2-5D73CC306BF4}" srcOrd="0" destOrd="6" presId="urn:microsoft.com/office/officeart/2005/8/layout/hList1"/>
     <dgm:cxn modelId="{148D6CA7-FA57-4837-B898-8511C8C05462}" srcId="{16A6F36B-6333-4C1B-A0F5-3F9F7EE14E4C}" destId="{72C98FFE-825A-4BAE-8DA9-32AB2B3D1EEB}" srcOrd="0" destOrd="0" parTransId="{0353938F-8903-4913-862D-B489B8F4CEDB}" sibTransId="{8BFE39FC-0EC1-49AC-9B24-634DDAE68CB9}"/>
     <dgm:cxn modelId="{C52C9EA9-0132-426F-9285-E84D6D903294}" srcId="{16A6F36B-6333-4C1B-A0F5-3F9F7EE14E4C}" destId="{74E8E8BE-703D-4338-927D-2B10CA69C51E}" srcOrd="1" destOrd="0" parTransId="{AE11D357-1075-42A1-A217-3A6EBA38DF99}" sibTransId="{5B697EDD-4BF8-42C0-B367-0F99BD111742}"/>
     <dgm:cxn modelId="{D99A2BB0-4CD9-4D07-A63F-93D6F8DE790A}" type="presOf" srcId="{16A6F36B-6333-4C1B-A0F5-3F9F7EE14E4C}" destId="{3C16E711-0DE1-46E4-8D06-29D1649A2002}" srcOrd="0" destOrd="0" presId="urn:microsoft.com/office/officeart/2005/8/layout/hList1"/>
@@ -1928,6 +2044,7 @@
     <dgm:cxn modelId="{2E9A47C6-0CD3-4D0D-8BE9-46FB1A48FBAF}" type="presOf" srcId="{50C5998E-2AD6-45EB-AF56-5624DCD08DDC}" destId="{2A186F65-26BC-4D9B-92E2-B32C0A3C6694}" srcOrd="0" destOrd="0" presId="urn:microsoft.com/office/officeart/2005/8/layout/hList1"/>
     <dgm:cxn modelId="{340929D5-988C-461B-981D-2789C32D5CE5}" type="presOf" srcId="{74E8E8BE-703D-4338-927D-2B10CA69C51E}" destId="{BD831292-1332-48E9-B1F2-5D73CC306BF4}" srcOrd="0" destOrd="1" presId="urn:microsoft.com/office/officeart/2005/8/layout/hList1"/>
     <dgm:cxn modelId="{976684D5-CF4E-4F89-A7A1-7AB76321F61E}" type="presOf" srcId="{FB3D3BAC-D937-45D1-A666-E1E074719859}" destId="{BD831292-1332-48E9-B1F2-5D73CC306BF4}" srcOrd="0" destOrd="2" presId="urn:microsoft.com/office/officeart/2005/8/layout/hList1"/>
+    <dgm:cxn modelId="{40D80AD9-0693-4371-A070-B592C0093F52}" type="presOf" srcId="{B6430E12-5322-4EDC-B0F5-CC120AF1BEDA}" destId="{BD831292-1332-48E9-B1F2-5D73CC306BF4}" srcOrd="0" destOrd="7" presId="urn:microsoft.com/office/officeart/2005/8/layout/hList1"/>
     <dgm:cxn modelId="{945ECDDC-35AE-4F9C-812A-8C286F2CE184}" type="presOf" srcId="{CDA5A09E-2C7B-436C-BE8C-4AF54AA134BE}" destId="{2A186F65-26BC-4D9B-92E2-B32C0A3C6694}" srcOrd="0" destOrd="4" presId="urn:microsoft.com/office/officeart/2005/8/layout/hList1"/>
     <dgm:cxn modelId="{22ACE5DE-00D5-4FC9-9B14-DE889453EC3A}" srcId="{2C138F02-61B4-4BE1-AD9B-3520F2EDDD93}" destId="{16A6F36B-6333-4C1B-A0F5-3F9F7EE14E4C}" srcOrd="1" destOrd="0" parTransId="{864184BC-5EF4-4547-901F-182019F72BC2}" sibTransId="{84CBFFB3-5495-4B3A-B522-A5BEF9F16C87}"/>
     <dgm:cxn modelId="{60698DE0-CE76-4E3B-BBEF-DA9965BD8742}" srcId="{16A6F36B-6333-4C1B-A0F5-3F9F7EE14E4C}" destId="{FB3D3BAC-D937-45D1-A666-E1E074719859}" srcOrd="2" destOrd="0" parTransId="{D415C112-BD38-49DB-8468-802AD68B70F5}" sibTransId="{0EB98A8B-2E99-4CEC-8F1B-75D57907388C}"/>
@@ -1935,6 +2052,7 @@
     <dgm:cxn modelId="{705355ED-227A-496D-BB08-E5977E55BE75}" srcId="{558901B3-1F9A-46E4-949A-EF00DFAB962D}" destId="{A318881F-EBBB-4175-86D5-B92D73974608}" srcOrd="1" destOrd="0" parTransId="{8E3B1566-94FC-4E1D-8C3A-B5925B4335DB}" sibTransId="{844FAD3A-3367-4FA5-87DD-FBFF45DF7470}"/>
     <dgm:cxn modelId="{ED420AF0-7F63-4FF1-8287-7E8B8484F024}" srcId="{2C138F02-61B4-4BE1-AD9B-3520F2EDDD93}" destId="{558901B3-1F9A-46E4-949A-EF00DFAB962D}" srcOrd="0" destOrd="0" parTransId="{43FFDE79-0196-43B9-8DCC-A0EE2E87DC5E}" sibTransId="{18B11917-FDAD-4588-BB6F-40CB45C2557F}"/>
     <dgm:cxn modelId="{60911CF3-1F40-42E8-A7F6-244CCDEA978D}" type="presOf" srcId="{D391EC51-A50B-4BF0-9E81-C4C20735D9F7}" destId="{601CDA20-70CD-453C-BD05-E610830FC6D2}" srcOrd="0" destOrd="1" presId="urn:microsoft.com/office/officeart/2005/8/layout/hList1"/>
+    <dgm:cxn modelId="{3F60D8F7-A254-4143-8494-DB0821104579}" srcId="{16A6F36B-6333-4C1B-A0F5-3F9F7EE14E4C}" destId="{B658C17C-2199-476B-809E-7A413EFEEA33}" srcOrd="6" destOrd="0" parTransId="{88CBD1E3-D45A-46C8-90FD-7BBBE2380086}" sibTransId="{0A9C3773-69C2-449D-846D-0C5DC3DA8BD2}"/>
     <dgm:cxn modelId="{50035897-9B9F-45EE-8C20-3521E4E9F6E1}" type="presParOf" srcId="{EACC58C6-C413-4940-A3BE-9E1642DCF6FD}" destId="{C998994B-69CD-498E-BCFB-CEFEBDBB7F95}" srcOrd="0" destOrd="0" presId="urn:microsoft.com/office/officeart/2005/8/layout/hList1"/>
     <dgm:cxn modelId="{83B065AB-A291-411B-850E-DA355B30B69D}" type="presParOf" srcId="{C998994B-69CD-498E-BCFB-CEFEBDBB7F95}" destId="{03CBD516-C389-4C48-812C-846EEB5BDBAF}" srcOrd="0" destOrd="0" presId="urn:microsoft.com/office/officeart/2005/8/layout/hList1"/>
     <dgm:cxn modelId="{48700A72-31A3-41D5-AE32-B81CDFEA6534}" type="presParOf" srcId="{C998994B-69CD-498E-BCFB-CEFEBDBB7F95}" destId="{2A186F65-26BC-4D9B-92E2-B32C0A3C6694}" srcOrd="1" destOrd="0" presId="urn:microsoft.com/office/officeart/2005/8/layout/hList1"/>
@@ -1972,7 +2090,7 @@
       </dsp:nvSpPr>
       <dsp:spPr>
         <a:xfrm>
-          <a:off x="2818" y="404012"/>
+          <a:off x="2818" y="209949"/>
           <a:ext cx="2747936" cy="1099174"/>
         </a:xfrm>
         <a:prstGeom prst="rect">
@@ -2038,7 +2156,7 @@
         </a:p>
       </dsp:txBody>
       <dsp:txXfrm>
-        <a:off x="2818" y="404012"/>
+        <a:off x="2818" y="209949"/>
         <a:ext cx="2747936" cy="1099174"/>
       </dsp:txXfrm>
     </dsp:sp>
@@ -2049,8 +2167,8 @@
       </dsp:nvSpPr>
       <dsp:spPr>
         <a:xfrm>
-          <a:off x="2818" y="1503187"/>
-          <a:ext cx="2747936" cy="2944012"/>
+          <a:off x="2818" y="1309124"/>
+          <a:ext cx="2747936" cy="3332139"/>
         </a:xfrm>
         <a:prstGeom prst="rect">
           <a:avLst/>
@@ -2254,8 +2372,8 @@
         </a:p>
       </dsp:txBody>
       <dsp:txXfrm>
-        <a:off x="2818" y="1503187"/>
-        <a:ext cx="2747936" cy="2944012"/>
+        <a:off x="2818" y="1309124"/>
+        <a:ext cx="2747936" cy="3332139"/>
       </dsp:txXfrm>
     </dsp:sp>
     <dsp:sp modelId="{3C16E711-0DE1-46E4-8D06-29D1649A2002}">
@@ -2265,7 +2383,7 @@
       </dsp:nvSpPr>
       <dsp:spPr>
         <a:xfrm>
-          <a:off x="3135465" y="404012"/>
+          <a:off x="3135465" y="209949"/>
           <a:ext cx="2747936" cy="1099174"/>
         </a:xfrm>
         <a:prstGeom prst="rect">
@@ -2331,7 +2449,7 @@
         </a:p>
       </dsp:txBody>
       <dsp:txXfrm>
-        <a:off x="3135465" y="404012"/>
+        <a:off x="3135465" y="209949"/>
         <a:ext cx="2747936" cy="1099174"/>
       </dsp:txXfrm>
     </dsp:sp>
@@ -2342,8 +2460,8 @@
       </dsp:nvSpPr>
       <dsp:spPr>
         <a:xfrm>
-          <a:off x="3135465" y="1503187"/>
-          <a:ext cx="2747936" cy="2944012"/>
+          <a:off x="3135465" y="1309124"/>
+          <a:ext cx="2747936" cy="3332139"/>
         </a:xfrm>
         <a:prstGeom prst="rect">
           <a:avLst/>
@@ -2582,10 +2700,82 @@
             <a:t>不等於</a:t>
           </a:r>
         </a:p>
+        <a:p>
+          <a:pPr marL="228600" lvl="1" indent="-228600" algn="l" defTabSz="889000">
+            <a:lnSpc>
+              <a:spcPct val="90000"/>
+            </a:lnSpc>
+            <a:spcBef>
+              <a:spcPct val="0"/>
+            </a:spcBef>
+            <a:spcAft>
+              <a:spcPct val="15000"/>
+            </a:spcAft>
+            <a:buNone/>
+          </a:pPr>
+          <a:r>
+            <a:rPr lang="en-US" altLang="zh-TW" sz="2000" kern="1200"/>
+            <a:t>in	</a:t>
+          </a:r>
+          <a:r>
+            <a:rPr lang="zh-TW" altLang="en-US" sz="2000" kern="1200">
+              <a:solidFill>
+                <a:schemeClr val="bg1">
+                  <a:lumMod val="50000"/>
+                </a:schemeClr>
+              </a:solidFill>
+            </a:rPr>
+            <a:t>是否</a:t>
+          </a:r>
+          <a:r>
+            <a:rPr lang="zh-TW" altLang="en-US" sz="2000" kern="1200"/>
+            <a:t>屬於</a:t>
+          </a:r>
+        </a:p>
+        <a:p>
+          <a:pPr marL="228600" lvl="1" indent="-228600" algn="l" defTabSz="889000">
+            <a:lnSpc>
+              <a:spcPct val="90000"/>
+            </a:lnSpc>
+            <a:spcBef>
+              <a:spcPct val="0"/>
+            </a:spcBef>
+            <a:spcAft>
+              <a:spcPct val="15000"/>
+            </a:spcAft>
+            <a:buNone/>
+          </a:pPr>
+          <a:r>
+            <a:rPr lang="en-US" altLang="zh-TW" sz="2000" kern="1200"/>
+            <a:t>not</a:t>
+          </a:r>
+          <a:r>
+            <a:rPr lang="en-US" altLang="zh-TW" sz="1100" kern="1200"/>
+            <a:t> </a:t>
+          </a:r>
+          <a:r>
+            <a:rPr lang="en-US" altLang="zh-TW" sz="2000" kern="1200"/>
+            <a:t>in	</a:t>
+          </a:r>
+          <a:r>
+            <a:rPr lang="zh-TW" altLang="en-US" sz="2000" kern="1200">
+              <a:solidFill>
+                <a:schemeClr val="bg1">
+                  <a:lumMod val="50000"/>
+                </a:schemeClr>
+              </a:solidFill>
+            </a:rPr>
+            <a:t>是否</a:t>
+          </a:r>
+          <a:r>
+            <a:rPr lang="zh-TW" altLang="en-US" sz="2000" kern="1200"/>
+            <a:t>不屬於</a:t>
+          </a:r>
+        </a:p>
       </dsp:txBody>
       <dsp:txXfrm>
-        <a:off x="3135465" y="1503187"/>
-        <a:ext cx="2747936" cy="2944012"/>
+        <a:off x="3135465" y="1309124"/>
+        <a:ext cx="2747936" cy="3332139"/>
       </dsp:txXfrm>
     </dsp:sp>
     <dsp:sp modelId="{388ACFFA-E61C-46C5-9A99-9BF55D492F64}">
@@ -2595,7 +2785,7 @@
       </dsp:nvSpPr>
       <dsp:spPr>
         <a:xfrm>
-          <a:off x="6268113" y="404012"/>
+          <a:off x="6268113" y="209949"/>
           <a:ext cx="2747936" cy="1099174"/>
         </a:xfrm>
         <a:prstGeom prst="rect">
@@ -2661,7 +2851,7 @@
         </a:p>
       </dsp:txBody>
       <dsp:txXfrm>
-        <a:off x="6268113" y="404012"/>
+        <a:off x="6268113" y="209949"/>
         <a:ext cx="2747936" cy="1099174"/>
       </dsp:txXfrm>
     </dsp:sp>
@@ -2672,8 +2862,8 @@
       </dsp:nvSpPr>
       <dsp:spPr>
         <a:xfrm>
-          <a:off x="6268113" y="1503187"/>
-          <a:ext cx="2747936" cy="2944012"/>
+          <a:off x="6268113" y="1309124"/>
+          <a:ext cx="2747936" cy="3332139"/>
         </a:xfrm>
         <a:prstGeom prst="rect">
           <a:avLst/>
@@ -2788,8 +2978,8 @@
         </a:p>
       </dsp:txBody>
       <dsp:txXfrm>
-        <a:off x="6268113" y="1503187"/>
-        <a:ext cx="2747936" cy="2944012"/>
+        <a:off x="6268113" y="1309124"/>
+        <a:ext cx="2747936" cy="3332139"/>
       </dsp:txXfrm>
     </dsp:sp>
   </dsp:spTree>
@@ -4129,7 +4319,7 @@
           <a:p>
             <a:fld id="{BF51CC50-1508-4079-93BE-582398950861}" type="datetimeFigureOut">
               <a:rPr lang="zh-TW" altLang="en-US" smtClean="0"/>
-              <a:t>2022/9/28</a:t>
+              <a:t>2022/10/5</a:t>
             </a:fld>
             <a:endParaRPr lang="zh-TW" altLang="en-US"/>
           </a:p>
@@ -4832,7 +5022,7 @@
           <a:p>
             <a:fld id="{57EACAA5-A08A-41DD-94DD-1D4306A1D919}" type="datetimeFigureOut">
               <a:rPr lang="zh-TW" altLang="en-US" smtClean="0"/>
-              <a:t>2022/9/28</a:t>
+              <a:t>2022/10/5</a:t>
             </a:fld>
             <a:endParaRPr lang="zh-TW" altLang="en-US"/>
           </a:p>
@@ -5060,7 +5250,7 @@
           <a:p>
             <a:fld id="{57EACAA5-A08A-41DD-94DD-1D4306A1D919}" type="datetimeFigureOut">
               <a:rPr lang="zh-TW" altLang="en-US" smtClean="0"/>
-              <a:t>2022/9/28</a:t>
+              <a:t>2022/10/5</a:t>
             </a:fld>
             <a:endParaRPr lang="zh-TW" altLang="en-US"/>
           </a:p>
@@ -5240,7 +5430,7 @@
           <a:p>
             <a:fld id="{57EACAA5-A08A-41DD-94DD-1D4306A1D919}" type="datetimeFigureOut">
               <a:rPr lang="zh-TW" altLang="en-US" smtClean="0"/>
-              <a:t>2022/9/28</a:t>
+              <a:t>2022/10/5</a:t>
             </a:fld>
             <a:endParaRPr lang="zh-TW" altLang="en-US"/>
           </a:p>
@@ -5410,7 +5600,7 @@
           <a:p>
             <a:fld id="{57EACAA5-A08A-41DD-94DD-1D4306A1D919}" type="datetimeFigureOut">
               <a:rPr lang="zh-TW" altLang="en-US" smtClean="0"/>
-              <a:t>2022/9/28</a:t>
+              <a:t>2022/10/5</a:t>
             </a:fld>
             <a:endParaRPr lang="zh-TW" altLang="en-US"/>
           </a:p>
@@ -5664,7 +5854,7 @@
           <a:p>
             <a:fld id="{57EACAA5-A08A-41DD-94DD-1D4306A1D919}" type="datetimeFigureOut">
               <a:rPr lang="zh-TW" altLang="en-US" smtClean="0"/>
-              <a:t>2022/9/28</a:t>
+              <a:t>2022/10/5</a:t>
             </a:fld>
             <a:endParaRPr lang="zh-TW" altLang="en-US"/>
           </a:p>
@@ -5990,7 +6180,7 @@
           <a:p>
             <a:fld id="{57EACAA5-A08A-41DD-94DD-1D4306A1D919}" type="datetimeFigureOut">
               <a:rPr lang="zh-TW" altLang="en-US" smtClean="0"/>
-              <a:t>2022/9/28</a:t>
+              <a:t>2022/10/5</a:t>
             </a:fld>
             <a:endParaRPr lang="zh-TW" altLang="en-US"/>
           </a:p>
@@ -6441,7 +6631,7 @@
           <a:p>
             <a:fld id="{57EACAA5-A08A-41DD-94DD-1D4306A1D919}" type="datetimeFigureOut">
               <a:rPr lang="zh-TW" altLang="en-US" smtClean="0"/>
-              <a:t>2022/9/28</a:t>
+              <a:t>2022/10/5</a:t>
             </a:fld>
             <a:endParaRPr lang="zh-TW" altLang="en-US"/>
           </a:p>
@@ -6559,7 +6749,7 @@
           <a:p>
             <a:fld id="{57EACAA5-A08A-41DD-94DD-1D4306A1D919}" type="datetimeFigureOut">
               <a:rPr lang="zh-TW" altLang="en-US" smtClean="0"/>
-              <a:t>2022/9/28</a:t>
+              <a:t>2022/10/5</a:t>
             </a:fld>
             <a:endParaRPr lang="zh-TW" altLang="en-US"/>
           </a:p>
@@ -6654,7 +6844,7 @@
           <a:p>
             <a:fld id="{57EACAA5-A08A-41DD-94DD-1D4306A1D919}" type="datetimeFigureOut">
               <a:rPr lang="zh-TW" altLang="en-US" smtClean="0"/>
-              <a:t>2022/9/28</a:t>
+              <a:t>2022/10/5</a:t>
             </a:fld>
             <a:endParaRPr lang="zh-TW" altLang="en-US"/>
           </a:p>
@@ -6941,7 +7131,7 @@
           <a:p>
             <a:fld id="{57EACAA5-A08A-41DD-94DD-1D4306A1D919}" type="datetimeFigureOut">
               <a:rPr lang="zh-TW" altLang="en-US" smtClean="0"/>
-              <a:t>2022/9/28</a:t>
+              <a:t>2022/10/5</a:t>
             </a:fld>
             <a:endParaRPr lang="zh-TW" altLang="en-US"/>
           </a:p>
@@ -7263,7 +7453,7 @@
           <a:p>
             <a:fld id="{57EACAA5-A08A-41DD-94DD-1D4306A1D919}" type="datetimeFigureOut">
               <a:rPr lang="zh-TW" altLang="en-US" smtClean="0"/>
-              <a:t>2022/9/28</a:t>
+              <a:t>2022/10/5</a:t>
             </a:fld>
             <a:endParaRPr lang="zh-TW" altLang="en-US"/>
           </a:p>
@@ -7517,7 +7707,7 @@
           <a:p>
             <a:fld id="{57EACAA5-A08A-41DD-94DD-1D4306A1D919}" type="datetimeFigureOut">
               <a:rPr lang="zh-TW" altLang="en-US" smtClean="0"/>
-              <a:t>2022/9/28</a:t>
+              <a:t>2022/10/5</a:t>
             </a:fld>
             <a:endParaRPr lang="zh-TW" altLang="en-US"/>
           </a:p>
@@ -12699,7 +12889,7 @@
           <p:nvPr>
             <p:extLst>
               <p:ext uri="{D42A27DB-BD31-4B8C-83A1-F6EECF244321}">
-                <p14:modId xmlns:p14="http://schemas.microsoft.com/office/powerpoint/2010/main" val="992352818"/>
+                <p14:modId xmlns:p14="http://schemas.microsoft.com/office/powerpoint/2010/main" val="1101321837"/>
               </p:ext>
             </p:extLst>
           </p:nvPr>
